--- a/pitch.pptx
+++ b/pitch.pptx
@@ -1,23 +1,118 @@
 
 <file path=ppt/presentation.xml><?xml version="1.0" encoding="utf-8"?>
-<p:presentation xmlns:a="http://schemas.openxmlformats.org/drawingml/2006/main" xmlns:p="http://schemas.openxmlformats.org/presentationml/2006/main" xmlns:r="http://schemas.openxmlformats.org/officeDocument/2006/relationships" xmlns:p14="http://schemas.microsoft.com/office/powerpoint/2010/main" xmlns:p15="http://schemas.microsoft.com/office/powerpoint/2012/main" xmlns:mc="http://schemas.openxmlformats.org/markup-compatibility/2006">
+<p:presentation xmlns:a="http://schemas.openxmlformats.org/drawingml/2006/main" xmlns:r="http://schemas.openxmlformats.org/officeDocument/2006/relationships" xmlns:p="http://schemas.openxmlformats.org/presentationml/2006/main">
   <p:sldMasterIdLst>
-    <p:sldMasterId id="2147483648" r:id="rId2"/>
+    <p:sldMasterId id="2147483648" r:id="rId1"/>
   </p:sldMasterIdLst>
   <p:sldIdLst>
-    <p:sldId id="256" r:id="rId3"/>
-    <p:sldId id="257" r:id="rId4"/>
-    <p:sldId id="258" r:id="rId5"/>
-    <p:sldId id="259" r:id="rId6"/>
-    <p:sldId id="260" r:id="rId7"/>
+    <p:sldId id="256" r:id="rId2"/>
+    <p:sldId id="257" r:id="rId3"/>
+    <p:sldId id="258" r:id="rId4"/>
+    <p:sldId id="259" r:id="rId5"/>
+    <p:sldId id="260" r:id="rId6"/>
   </p:sldIdLst>
   <p:sldSz cx="10080625" cy="5670550"/>
   <p:notesSz cx="7772400" cy="10058400"/>
+  <p:defaultTextStyle>
+    <a:defPPr>
+      <a:defRPr lang="en-US"/>
+    </a:defPPr>
+    <a:lvl1pPr marL="0" algn="l" defTabSz="914400" rtl="0" eaLnBrk="1" latinLnBrk="0" hangingPunct="1">
+      <a:defRPr sz="1800" kern="1200">
+        <a:solidFill>
+          <a:schemeClr val="tx1"/>
+        </a:solidFill>
+        <a:latin typeface="+mn-lt"/>
+        <a:ea typeface="+mn-ea"/>
+        <a:cs typeface="+mn-cs"/>
+      </a:defRPr>
+    </a:lvl1pPr>
+    <a:lvl2pPr marL="457200" algn="l" defTabSz="914400" rtl="0" eaLnBrk="1" latinLnBrk="0" hangingPunct="1">
+      <a:defRPr sz="1800" kern="1200">
+        <a:solidFill>
+          <a:schemeClr val="tx1"/>
+        </a:solidFill>
+        <a:latin typeface="+mn-lt"/>
+        <a:ea typeface="+mn-ea"/>
+        <a:cs typeface="+mn-cs"/>
+      </a:defRPr>
+    </a:lvl2pPr>
+    <a:lvl3pPr marL="914400" algn="l" defTabSz="914400" rtl="0" eaLnBrk="1" latinLnBrk="0" hangingPunct="1">
+      <a:defRPr sz="1800" kern="1200">
+        <a:solidFill>
+          <a:schemeClr val="tx1"/>
+        </a:solidFill>
+        <a:latin typeface="+mn-lt"/>
+        <a:ea typeface="+mn-ea"/>
+        <a:cs typeface="+mn-cs"/>
+      </a:defRPr>
+    </a:lvl3pPr>
+    <a:lvl4pPr marL="1371600" algn="l" defTabSz="914400" rtl="0" eaLnBrk="1" latinLnBrk="0" hangingPunct="1">
+      <a:defRPr sz="1800" kern="1200">
+        <a:solidFill>
+          <a:schemeClr val="tx1"/>
+        </a:solidFill>
+        <a:latin typeface="+mn-lt"/>
+        <a:ea typeface="+mn-ea"/>
+        <a:cs typeface="+mn-cs"/>
+      </a:defRPr>
+    </a:lvl4pPr>
+    <a:lvl5pPr marL="1828800" algn="l" defTabSz="914400" rtl="0" eaLnBrk="1" latinLnBrk="0" hangingPunct="1">
+      <a:defRPr sz="1800" kern="1200">
+        <a:solidFill>
+          <a:schemeClr val="tx1"/>
+        </a:solidFill>
+        <a:latin typeface="+mn-lt"/>
+        <a:ea typeface="+mn-ea"/>
+        <a:cs typeface="+mn-cs"/>
+      </a:defRPr>
+    </a:lvl5pPr>
+    <a:lvl6pPr marL="2286000" algn="l" defTabSz="914400" rtl="0" eaLnBrk="1" latinLnBrk="0" hangingPunct="1">
+      <a:defRPr sz="1800" kern="1200">
+        <a:solidFill>
+          <a:schemeClr val="tx1"/>
+        </a:solidFill>
+        <a:latin typeface="+mn-lt"/>
+        <a:ea typeface="+mn-ea"/>
+        <a:cs typeface="+mn-cs"/>
+      </a:defRPr>
+    </a:lvl6pPr>
+    <a:lvl7pPr marL="2743200" algn="l" defTabSz="914400" rtl="0" eaLnBrk="1" latinLnBrk="0" hangingPunct="1">
+      <a:defRPr sz="1800" kern="1200">
+        <a:solidFill>
+          <a:schemeClr val="tx1"/>
+        </a:solidFill>
+        <a:latin typeface="+mn-lt"/>
+        <a:ea typeface="+mn-ea"/>
+        <a:cs typeface="+mn-cs"/>
+      </a:defRPr>
+    </a:lvl7pPr>
+    <a:lvl8pPr marL="3200400" algn="l" defTabSz="914400" rtl="0" eaLnBrk="1" latinLnBrk="0" hangingPunct="1">
+      <a:defRPr sz="1800" kern="1200">
+        <a:solidFill>
+          <a:schemeClr val="tx1"/>
+        </a:solidFill>
+        <a:latin typeface="+mn-lt"/>
+        <a:ea typeface="+mn-ea"/>
+        <a:cs typeface="+mn-cs"/>
+      </a:defRPr>
+    </a:lvl8pPr>
+    <a:lvl9pPr marL="3657600" algn="l" defTabSz="914400" rtl="0" eaLnBrk="1" latinLnBrk="0" hangingPunct="1">
+      <a:defRPr sz="1800" kern="1200">
+        <a:solidFill>
+          <a:schemeClr val="tx1"/>
+        </a:solidFill>
+        <a:latin typeface="+mn-lt"/>
+        <a:ea typeface="+mn-ea"/>
+        <a:cs typeface="+mn-cs"/>
+      </a:defRPr>
+    </a:lvl9pPr>
+  </p:defaultTextStyle>
 </p:presentation>
 </file>
 
 <file path=ppt/slideLayouts/slideLayout1.xml><?xml version="1.0" encoding="utf-8"?>
-<p:sldLayout xmlns:a="http://schemas.openxmlformats.org/drawingml/2006/main" xmlns:p="http://schemas.openxmlformats.org/presentationml/2006/main" xmlns:r="http://schemas.openxmlformats.org/officeDocument/2006/relationships" xmlns:p14="http://schemas.microsoft.com/office/powerpoint/2010/main" xmlns:p15="http://schemas.microsoft.com/office/powerpoint/2012/main" xmlns:mc="http://schemas.openxmlformats.org/markup-compatibility/2006" type="tx" preserve="1">
+<p:sldLayout xmlns:a="http://schemas.openxmlformats.org/drawingml/2006/main" xmlns:r="http://schemas.openxmlformats.org/officeDocument/2006/relationships" xmlns:p="http://schemas.openxmlformats.org/presentationml/2006/main" type="tx" preserve="1">
   <p:cSld name="Default">
     <p:spTree>
       <p:nvGrpSpPr>
@@ -57,14 +152,15 @@
           </a:ln>
         </p:spPr>
         <p:txBody>
-          <a:bodyPr lIns="0" rIns="0" tIns="0" bIns="0" anchor="ctr">
+          <a:bodyPr lIns="0" tIns="0" rIns="0" bIns="0" anchor="ctr">
             <a:spAutoFit/>
           </a:bodyPr>
+          <a:lstStyle/>
           <a:p>
             <a:pPr indent="0" algn="ctr">
               <a:buNone/>
             </a:pPr>
-            <a:endParaRPr b="0" lang="en-US" sz="4400" strike="noStrike" u="none">
+            <a:endParaRPr lang="en-US" sz="4400" b="0" u="none" strike="noStrike">
               <a:solidFill>
                 <a:srgbClr val="000000"/>
               </a:solidFill>
@@ -99,9 +195,10 @@
           </a:ln>
         </p:spPr>
         <p:txBody>
-          <a:bodyPr lIns="0" rIns="0" tIns="0" bIns="0" anchor="t">
+          <a:bodyPr lIns="0" tIns="0" rIns="0" bIns="0" anchor="t">
             <a:normAutofit/>
           </a:bodyPr>
+          <a:lstStyle/>
           <a:p>
             <a:pPr indent="0">
               <a:spcBef>
@@ -109,7 +206,7 @@
               </a:spcBef>
               <a:buNone/>
             </a:pPr>
-            <a:endParaRPr b="0" lang="en-US" sz="3200" strike="noStrike" u="none">
+            <a:endParaRPr lang="en-US" sz="3200" b="0" u="none" strike="noStrike">
               <a:solidFill>
                 <a:srgbClr val="000000"/>
               </a:solidFill>
@@ -133,6 +230,7 @@
         <p:spPr/>
         <p:txBody>
           <a:bodyPr/>
+          <a:lstStyle/>
           <a:p>
             <a:r>
               <a:t>Footer</a:t>
@@ -142,7 +240,7 @@
       </p:sp>
       <p:sp>
         <p:nvSpPr>
-          <p:cNvPr id="5" name="PlaceHolder 4"/>
+          <p:cNvPr id="2" name="PlaceHolder 4"/>
           <p:cNvSpPr>
             <a:spLocks noGrp="1"/>
           </p:cNvSpPr>
@@ -153,16 +251,18 @@
         <p:spPr/>
         <p:txBody>
           <a:bodyPr/>
+          <a:lstStyle/>
           <a:p>
             <a:fld id="{461741D1-5541-4056-AD75-20C7A9D2172E}" type="slidenum">
-              <a:t>&lt;#&gt;</a:t>
+              <a:t>‹#›</a:t>
             </a:fld>
+            <a:endParaRPr/>
           </a:p>
         </p:txBody>
       </p:sp>
       <p:sp>
         <p:nvSpPr>
-          <p:cNvPr id="6" name="PlaceHolder 5"/>
+          <p:cNvPr id="3" name="PlaceHolder 5"/>
           <p:cNvSpPr>
             <a:spLocks noGrp="1"/>
           </p:cNvSpPr>
@@ -173,21 +273,22 @@
         <p:spPr/>
         <p:txBody>
           <a:bodyPr/>
-          <a:p>
-            <a:r>
-              <a:rPr lang="en-US"/>
-              <a:t/>
-            </a:r>
+          <a:lstStyle/>
+          <a:p>
+            <a:endParaRPr/>
           </a:p>
         </p:txBody>
       </p:sp>
     </p:spTree>
   </p:cSld>
+  <p:clrMapOvr>
+    <a:masterClrMapping/>
+  </p:clrMapOvr>
 </p:sldLayout>
 </file>
 
 <file path=ppt/slideLayouts/slideLayout2.xml><?xml version="1.0" encoding="utf-8"?>
-<p:sldLayout xmlns:a="http://schemas.openxmlformats.org/drawingml/2006/main" xmlns:p="http://schemas.openxmlformats.org/presentationml/2006/main" xmlns:r="http://schemas.openxmlformats.org/officeDocument/2006/relationships" xmlns:p14="http://schemas.microsoft.com/office/powerpoint/2010/main" xmlns:p15="http://schemas.microsoft.com/office/powerpoint/2012/main" xmlns:mc="http://schemas.openxmlformats.org/markup-compatibility/2006" type="title" preserve="1">
+<p:sldLayout xmlns:a="http://schemas.openxmlformats.org/drawingml/2006/main" xmlns:r="http://schemas.openxmlformats.org/officeDocument/2006/relationships" xmlns:p="http://schemas.openxmlformats.org/presentationml/2006/main" type="title" preserve="1">
   <p:cSld name="Default">
     <p:spTree>
       <p:nvGrpSpPr>
@@ -227,14 +328,15 @@
           </a:ln>
         </p:spPr>
         <p:txBody>
-          <a:bodyPr lIns="0" rIns="0" tIns="0" bIns="0" anchor="ctr">
+          <a:bodyPr lIns="0" tIns="0" rIns="0" bIns="0" anchor="ctr">
             <a:spAutoFit/>
           </a:bodyPr>
+          <a:lstStyle/>
           <a:p>
             <a:pPr indent="0" algn="ctr">
               <a:buNone/>
             </a:pPr>
-            <a:endParaRPr b="0" lang="en-US" sz="4400" strike="noStrike" u="none">
+            <a:endParaRPr lang="en-US" sz="4400" b="0" u="none" strike="noStrike">
               <a:solidFill>
                 <a:srgbClr val="000000"/>
               </a:solidFill>
@@ -269,14 +371,15 @@
           </a:ln>
         </p:spPr>
         <p:txBody>
-          <a:bodyPr lIns="0" rIns="0" tIns="0" bIns="0" anchor="ctr">
+          <a:bodyPr lIns="0" tIns="0" rIns="0" bIns="0" anchor="ctr">
             <a:spAutoFit/>
           </a:bodyPr>
+          <a:lstStyle/>
           <a:p>
             <a:pPr indent="0" algn="ctr">
               <a:buNone/>
             </a:pPr>
-            <a:endParaRPr b="0" lang="en-US" sz="3200" strike="noStrike" u="none">
+            <a:endParaRPr lang="en-US" sz="3200" b="0" u="none" strike="noStrike">
               <a:solidFill>
                 <a:srgbClr val="000000"/>
               </a:solidFill>
@@ -300,6 +403,7 @@
         <p:spPr/>
         <p:txBody>
           <a:bodyPr/>
+          <a:lstStyle/>
           <a:p>
             <a:r>
               <a:t>Footer</a:t>
@@ -320,10 +424,12 @@
         <p:spPr/>
         <p:txBody>
           <a:bodyPr/>
+          <a:lstStyle/>
           <a:p>
             <a:fld id="{3974EBF0-7FF9-41A1-83AB-6E55F880BDE8}" type="slidenum">
-              <a:t>&lt;#&gt;</a:t>
+              <a:t>‹#›</a:t>
             </a:fld>
+            <a:endParaRPr/>
           </a:p>
         </p:txBody>
       </p:sp>
@@ -340,22 +446,28 @@
         <p:spPr/>
         <p:txBody>
           <a:bodyPr/>
-          <a:p>
-            <a:r>
-              <a:rPr lang="en-US"/>
-              <a:t/>
-            </a:r>
+          <a:lstStyle/>
+          <a:p>
+            <a:endParaRPr/>
           </a:p>
         </p:txBody>
       </p:sp>
     </p:spTree>
   </p:cSld>
+  <p:clrMapOvr>
+    <a:masterClrMapping/>
+  </p:clrMapOvr>
 </p:sldLayout>
 </file>
 
 <file path=ppt/slideMasters/slideMaster1.xml><?xml version="1.0" encoding="utf-8"?>
-<p:sldMaster xmlns:a="http://schemas.openxmlformats.org/drawingml/2006/main" xmlns:p="http://schemas.openxmlformats.org/presentationml/2006/main" xmlns:r="http://schemas.openxmlformats.org/officeDocument/2006/relationships" xmlns:p14="http://schemas.microsoft.com/office/powerpoint/2010/main" xmlns:p15="http://schemas.microsoft.com/office/powerpoint/2012/main" xmlns:mc="http://schemas.openxmlformats.org/markup-compatibility/2006">
+<p:sldMaster xmlns:a="http://schemas.openxmlformats.org/drawingml/2006/main" xmlns:r="http://schemas.openxmlformats.org/officeDocument/2006/relationships" xmlns:p="http://schemas.openxmlformats.org/presentationml/2006/main">
   <p:cSld>
+    <p:bg>
+      <p:bgRef idx="1001">
+        <a:schemeClr val="bg1"/>
+      </p:bgRef>
+    </p:bg>
     <p:spTree>
       <p:nvGrpSpPr>
         <p:cNvPr id="1" name=""/>
@@ -372,7 +484,7 @@
       </p:grpSpPr>
       <p:sp>
         <p:nvSpPr>
-          <p:cNvPr id="0" name="PlaceHolder 1"/>
+          <p:cNvPr id="5" name="PlaceHolder 1"/>
           <p:cNvSpPr>
             <a:spLocks noGrp="1"/>
           </p:cNvSpPr>
@@ -394,15 +506,16 @@
           </a:ln>
         </p:spPr>
         <p:txBody>
-          <a:bodyPr lIns="0" rIns="0" tIns="0" bIns="0" anchor="ctr">
+          <a:bodyPr lIns="0" tIns="0" rIns="0" bIns="0" anchor="ctr">
             <a:noAutofit/>
           </a:bodyPr>
+          <a:lstStyle/>
           <a:p>
             <a:pPr indent="0" algn="ctr">
               <a:buNone/>
             </a:pPr>
             <a:r>
-              <a:rPr b="0" lang="en-US" sz="4400" strike="noStrike" u="none">
+              <a:rPr lang="en-US" sz="4400" b="0" u="none" strike="noStrike">
                 <a:solidFill>
                   <a:srgbClr val="000000"/>
                 </a:solidFill>
@@ -412,20 +525,12 @@
               </a:rPr>
               <a:t>Click to edit the title text format</a:t>
             </a:r>
-            <a:endParaRPr b="0" lang="en-US" sz="4400" strike="noStrike" u="none">
-              <a:solidFill>
-                <a:srgbClr val="000000"/>
-              </a:solidFill>
-              <a:effectLst/>
-              <a:uFillTx/>
-              <a:latin typeface="Arial"/>
-            </a:endParaRPr>
           </a:p>
         </p:txBody>
       </p:sp>
       <p:sp>
         <p:nvSpPr>
-          <p:cNvPr id="1" name="PlaceHolder 2"/>
+          <p:cNvPr id="6" name="PlaceHolder 2"/>
           <p:cNvSpPr>
             <a:spLocks noGrp="1"/>
           </p:cNvSpPr>
@@ -447,9 +552,10 @@
           </a:ln>
         </p:spPr>
         <p:txBody>
-          <a:bodyPr lIns="0" rIns="0" tIns="0" bIns="0" anchor="t">
+          <a:bodyPr lIns="0" tIns="0" rIns="0" bIns="0" anchor="t">
             <a:normAutofit/>
           </a:bodyPr>
+          <a:lstStyle/>
           <a:p>
             <a:pPr marL="432000" indent="-324000">
               <a:spcBef>
@@ -463,7 +569,7 @@
               <a:buChar char=""/>
             </a:pPr>
             <a:r>
-              <a:rPr b="0" lang="en-US" sz="3200" strike="noStrike" u="none">
+              <a:rPr lang="en-US" sz="3200" b="0" u="none" strike="noStrike">
                 <a:solidFill>
                   <a:srgbClr val="000000"/>
                 </a:solidFill>
@@ -473,17 +579,9 @@
               </a:rPr>
               <a:t>Click to edit the outline text format</a:t>
             </a:r>
-            <a:endParaRPr b="0" lang="en-US" sz="3200" strike="noStrike" u="none">
-              <a:solidFill>
-                <a:srgbClr val="000000"/>
-              </a:solidFill>
-              <a:effectLst/>
-              <a:uFillTx/>
-              <a:latin typeface="Arial"/>
-            </a:endParaRPr>
-          </a:p>
-          <a:p>
-            <a:pPr lvl="1" marL="864000" indent="-324000">
+          </a:p>
+          <a:p>
+            <a:pPr marL="864000" lvl="1" indent="-324000">
               <a:spcBef>
                 <a:spcPts val="1134"/>
               </a:spcBef>
@@ -495,7 +593,7 @@
               <a:buChar char=""/>
             </a:pPr>
             <a:r>
-              <a:rPr b="0" lang="en-US" sz="2800" strike="noStrike" u="none">
+              <a:rPr lang="en-US" sz="2800" b="0" u="none" strike="noStrike">
                 <a:solidFill>
                   <a:srgbClr val="000000"/>
                 </a:solidFill>
@@ -505,17 +603,9 @@
               </a:rPr>
               <a:t>Second Outline Level</a:t>
             </a:r>
-            <a:endParaRPr b="0" lang="en-US" sz="2800" strike="noStrike" u="none">
-              <a:solidFill>
-                <a:srgbClr val="000000"/>
-              </a:solidFill>
-              <a:effectLst/>
-              <a:uFillTx/>
-              <a:latin typeface="Arial"/>
-            </a:endParaRPr>
-          </a:p>
-          <a:p>
-            <a:pPr lvl="2" marL="1296000" indent="-288000">
+          </a:p>
+          <a:p>
+            <a:pPr marL="1296000" lvl="2" indent="-288000">
               <a:spcBef>
                 <a:spcPts val="850"/>
               </a:spcBef>
@@ -527,7 +617,7 @@
               <a:buChar char=""/>
             </a:pPr>
             <a:r>
-              <a:rPr b="0" lang="en-US" sz="2400" strike="noStrike" u="none">
+              <a:rPr lang="en-US" sz="2400" b="0" u="none" strike="noStrike">
                 <a:solidFill>
                   <a:srgbClr val="000000"/>
                 </a:solidFill>
@@ -537,17 +627,9 @@
               </a:rPr>
               <a:t>Third Outline Level</a:t>
             </a:r>
-            <a:endParaRPr b="0" lang="en-US" sz="2400" strike="noStrike" u="none">
-              <a:solidFill>
-                <a:srgbClr val="000000"/>
-              </a:solidFill>
-              <a:effectLst/>
-              <a:uFillTx/>
-              <a:latin typeface="Arial"/>
-            </a:endParaRPr>
-          </a:p>
-          <a:p>
-            <a:pPr lvl="3" marL="1728000" indent="-216000">
+          </a:p>
+          <a:p>
+            <a:pPr marL="1728000" lvl="3" indent="-216000">
               <a:spcBef>
                 <a:spcPts val="567"/>
               </a:spcBef>
@@ -559,7 +641,7 @@
               <a:buChar char=""/>
             </a:pPr>
             <a:r>
-              <a:rPr b="0" lang="en-US" sz="2000" strike="noStrike" u="none">
+              <a:rPr lang="en-US" sz="2000" b="0" u="none" strike="noStrike">
                 <a:solidFill>
                   <a:srgbClr val="000000"/>
                 </a:solidFill>
@@ -569,17 +651,9 @@
               </a:rPr>
               <a:t>Fourth Outline Level</a:t>
             </a:r>
-            <a:endParaRPr b="0" lang="en-US" sz="2000" strike="noStrike" u="none">
-              <a:solidFill>
-                <a:srgbClr val="000000"/>
-              </a:solidFill>
-              <a:effectLst/>
-              <a:uFillTx/>
-              <a:latin typeface="Arial"/>
-            </a:endParaRPr>
-          </a:p>
-          <a:p>
-            <a:pPr lvl="4" marL="2160000" indent="-216000">
+          </a:p>
+          <a:p>
+            <a:pPr marL="2160000" lvl="4" indent="-216000">
               <a:spcBef>
                 <a:spcPts val="283"/>
               </a:spcBef>
@@ -591,7 +665,7 @@
               <a:buChar char=""/>
             </a:pPr>
             <a:r>
-              <a:rPr b="0" lang="en-US" sz="2000" strike="noStrike" u="none">
+              <a:rPr lang="en-US" sz="2000" b="0" u="none" strike="noStrike">
                 <a:solidFill>
                   <a:srgbClr val="000000"/>
                 </a:solidFill>
@@ -601,17 +675,9 @@
               </a:rPr>
               <a:t>Fifth Outline Level</a:t>
             </a:r>
-            <a:endParaRPr b="0" lang="en-US" sz="2000" strike="noStrike" u="none">
-              <a:solidFill>
-                <a:srgbClr val="000000"/>
-              </a:solidFill>
-              <a:effectLst/>
-              <a:uFillTx/>
-              <a:latin typeface="Arial"/>
-            </a:endParaRPr>
-          </a:p>
-          <a:p>
-            <a:pPr lvl="5" marL="2592000" indent="-216000">
+          </a:p>
+          <a:p>
+            <a:pPr marL="2592000" lvl="5" indent="-216000">
               <a:spcBef>
                 <a:spcPts val="283"/>
               </a:spcBef>
@@ -623,7 +689,7 @@
               <a:buChar char=""/>
             </a:pPr>
             <a:r>
-              <a:rPr b="0" lang="en-US" sz="2000" strike="noStrike" u="none">
+              <a:rPr lang="en-US" sz="2000" b="0" u="none" strike="noStrike">
                 <a:solidFill>
                   <a:srgbClr val="000000"/>
                 </a:solidFill>
@@ -633,17 +699,9 @@
               </a:rPr>
               <a:t>Sixth Outline Level</a:t>
             </a:r>
-            <a:endParaRPr b="0" lang="en-US" sz="2000" strike="noStrike" u="none">
-              <a:solidFill>
-                <a:srgbClr val="000000"/>
-              </a:solidFill>
-              <a:effectLst/>
-              <a:uFillTx/>
-              <a:latin typeface="Arial"/>
-            </a:endParaRPr>
-          </a:p>
-          <a:p>
-            <a:pPr lvl="6" marL="3024000" indent="-216000">
+          </a:p>
+          <a:p>
+            <a:pPr marL="3024000" lvl="6" indent="-216000">
               <a:spcBef>
                 <a:spcPts val="283"/>
               </a:spcBef>
@@ -655,7 +713,7 @@
               <a:buChar char=""/>
             </a:pPr>
             <a:r>
-              <a:rPr b="0" lang="en-US" sz="2000" strike="noStrike" u="none">
+              <a:rPr lang="en-US" sz="2000" b="0" u="none" strike="noStrike">
                 <a:solidFill>
                   <a:srgbClr val="000000"/>
                 </a:solidFill>
@@ -665,14 +723,6 @@
               </a:rPr>
               <a:t>Seventh Outline Level</a:t>
             </a:r>
-            <a:endParaRPr b="0" lang="en-US" sz="2000" strike="noStrike" u="none">
-              <a:solidFill>
-                <a:srgbClr val="000000"/>
-              </a:solidFill>
-              <a:effectLst/>
-              <a:uFillTx/>
-              <a:latin typeface="Arial"/>
-            </a:endParaRPr>
           </a:p>
         </p:txBody>
       </p:sp>
@@ -700,13 +750,13 @@
           </a:ln>
         </p:spPr>
         <p:txBody>
-          <a:bodyPr lIns="0" rIns="0" tIns="0" bIns="0" anchor="t">
+          <a:bodyPr lIns="0" tIns="0" rIns="0" bIns="0" anchor="t">
             <a:noAutofit/>
           </a:bodyPr>
           <a:lstStyle>
             <a:lvl1pPr indent="0">
               <a:buNone/>
-              <a:defRPr b="0" lang="en-US" sz="1400" strike="noStrike" u="none">
+              <a:defRPr lang="en-US" sz="1400" b="0" u="none" strike="noStrike">
                 <a:solidFill>
                   <a:srgbClr val="000000"/>
                 </a:solidFill>
@@ -721,7 +771,7 @@
               <a:buNone/>
             </a:pPr>
             <a:r>
-              <a:rPr b="0" lang="en-US" sz="1400" strike="noStrike" u="none">
+              <a:rPr lang="en-US" sz="1400" b="0" u="none" strike="noStrike">
                 <a:solidFill>
                   <a:srgbClr val="000000"/>
                 </a:solidFill>
@@ -731,14 +781,6 @@
               </a:rPr>
               <a:t>&lt;date/time&gt;</a:t>
             </a:r>
-            <a:endParaRPr b="0" lang="en-US" sz="1400" strike="noStrike" u="none">
-              <a:solidFill>
-                <a:srgbClr val="000000"/>
-              </a:solidFill>
-              <a:effectLst/>
-              <a:uFillTx/>
-              <a:latin typeface="Times New Roman"/>
-            </a:endParaRPr>
           </a:p>
         </p:txBody>
       </p:sp>
@@ -766,13 +808,13 @@
           </a:ln>
         </p:spPr>
         <p:txBody>
-          <a:bodyPr lIns="0" rIns="0" tIns="0" bIns="0" anchor="t">
+          <a:bodyPr lIns="0" tIns="0" rIns="0" bIns="0" anchor="t">
             <a:noAutofit/>
           </a:bodyPr>
           <a:lstStyle>
             <a:lvl1pPr indent="0" algn="ctr">
               <a:buNone/>
-              <a:defRPr b="0" lang="en-US" sz="1400" strike="noStrike" u="none">
+              <a:defRPr lang="en-US" sz="1400" b="0" u="none" strike="noStrike">
                 <a:solidFill>
                   <a:srgbClr val="000000"/>
                 </a:solidFill>
@@ -787,7 +829,7 @@
               <a:buNone/>
             </a:pPr>
             <a:r>
-              <a:rPr b="0" lang="en-US" sz="1400" strike="noStrike" u="none">
+              <a:rPr lang="en-US" sz="1400" b="0" u="none" strike="noStrike">
                 <a:solidFill>
                   <a:srgbClr val="000000"/>
                 </a:solidFill>
@@ -797,14 +839,6 @@
               </a:rPr>
               <a:t>&lt;footer&gt;</a:t>
             </a:r>
-            <a:endParaRPr b="0" lang="en-US" sz="1400" strike="noStrike" u="none">
-              <a:solidFill>
-                <a:srgbClr val="000000"/>
-              </a:solidFill>
-              <a:effectLst/>
-              <a:uFillTx/>
-              <a:latin typeface="Times New Roman"/>
-            </a:endParaRPr>
           </a:p>
         </p:txBody>
       </p:sp>
@@ -832,13 +866,13 @@
           </a:ln>
         </p:spPr>
         <p:txBody>
-          <a:bodyPr lIns="0" rIns="0" tIns="0" bIns="0" anchor="t">
+          <a:bodyPr lIns="0" tIns="0" rIns="0" bIns="0" anchor="t">
             <a:noAutofit/>
           </a:bodyPr>
           <a:lstStyle>
             <a:lvl1pPr indent="0" algn="r">
               <a:buNone/>
-              <a:defRPr b="0" lang="en-US" sz="1400" strike="noStrike" u="none">
+              <a:defRPr lang="en-US" sz="1400" b="0" u="none" strike="noStrike">
                 <a:solidFill>
                   <a:srgbClr val="000000"/>
                 </a:solidFill>
@@ -853,7 +887,7 @@
               <a:buNone/>
             </a:pPr>
             <a:fld id="{732A245B-DF72-403B-8604-FFF7DE6DC01D}" type="slidenum">
-              <a:rPr b="0" lang="en-US" sz="1400" strike="noStrike" u="none">
+              <a:rPr lang="en-US" sz="1400" b="0" u="none" strike="noStrike">
                 <a:solidFill>
                   <a:srgbClr val="000000"/>
                 </a:solidFill>
@@ -861,9 +895,9 @@
                 <a:uFillTx/>
                 <a:latin typeface="Times New Roman"/>
               </a:rPr>
-              <a:t>&lt;number&gt;</a:t>
+              <a:t>‹#›</a:t>
             </a:fld>
-            <a:endParaRPr b="0" lang="en-US" sz="1400" strike="noStrike" u="none">
+            <a:endParaRPr lang="en-US" sz="1400" b="0" u="none" strike="noStrike">
               <a:solidFill>
                 <a:srgbClr val="000000"/>
               </a:solidFill>
@@ -878,14 +912,294 @@
   </p:cSld>
   <p:clrMap bg1="lt1" tx1="dk1" bg2="lt2" tx2="dk2" accent1="accent1" accent2="accent2" accent3="accent3" accent4="accent4" accent5="accent5" accent6="accent6" hlink="hlink" folHlink="folHlink"/>
   <p:sldLayoutIdLst>
-    <p:sldLayoutId id="2147483649" r:id="rId2"/>
-    <p:sldLayoutId id="2147483650" r:id="rId3"/>
+    <p:sldLayoutId id="2147483649" r:id="rId1"/>
+    <p:sldLayoutId id="2147483650" r:id="rId2"/>
   </p:sldLayoutIdLst>
+  <p:txStyles>
+    <p:titleStyle>
+      <a:lvl1pPr algn="l" defTabSz="914400" rtl="0" eaLnBrk="1" latinLnBrk="0" hangingPunct="1">
+        <a:lnSpc>
+          <a:spcPct val="90000"/>
+        </a:lnSpc>
+        <a:spcBef>
+          <a:spcPct val="0"/>
+        </a:spcBef>
+        <a:buNone/>
+        <a:defRPr sz="4400" kern="1200">
+          <a:solidFill>
+            <a:schemeClr val="tx1"/>
+          </a:solidFill>
+          <a:latin typeface="+mj-lt"/>
+          <a:ea typeface="+mj-ea"/>
+          <a:cs typeface="+mj-cs"/>
+        </a:defRPr>
+      </a:lvl1pPr>
+    </p:titleStyle>
+    <p:bodyStyle>
+      <a:lvl1pPr marL="228600" indent="-228600" algn="l" defTabSz="914400" rtl="0" eaLnBrk="1" latinLnBrk="0" hangingPunct="1">
+        <a:lnSpc>
+          <a:spcPct val="90000"/>
+        </a:lnSpc>
+        <a:spcBef>
+          <a:spcPts val="1000"/>
+        </a:spcBef>
+        <a:buFont typeface="Arial" panose="020B0604020202020204" pitchFamily="34" charset="0"/>
+        <a:buChar char="•"/>
+        <a:defRPr sz="2800" kern="1200">
+          <a:solidFill>
+            <a:schemeClr val="tx1"/>
+          </a:solidFill>
+          <a:latin typeface="+mn-lt"/>
+          <a:ea typeface="+mn-ea"/>
+          <a:cs typeface="+mn-cs"/>
+        </a:defRPr>
+      </a:lvl1pPr>
+      <a:lvl2pPr marL="685800" indent="-228600" algn="l" defTabSz="914400" rtl="0" eaLnBrk="1" latinLnBrk="0" hangingPunct="1">
+        <a:lnSpc>
+          <a:spcPct val="90000"/>
+        </a:lnSpc>
+        <a:spcBef>
+          <a:spcPts val="500"/>
+        </a:spcBef>
+        <a:buFont typeface="Arial" panose="020B0604020202020204" pitchFamily="34" charset="0"/>
+        <a:buChar char="•"/>
+        <a:defRPr sz="2400" kern="1200">
+          <a:solidFill>
+            <a:schemeClr val="tx1"/>
+          </a:solidFill>
+          <a:latin typeface="+mn-lt"/>
+          <a:ea typeface="+mn-ea"/>
+          <a:cs typeface="+mn-cs"/>
+        </a:defRPr>
+      </a:lvl2pPr>
+      <a:lvl3pPr marL="1143000" indent="-228600" algn="l" defTabSz="914400" rtl="0" eaLnBrk="1" latinLnBrk="0" hangingPunct="1">
+        <a:lnSpc>
+          <a:spcPct val="90000"/>
+        </a:lnSpc>
+        <a:spcBef>
+          <a:spcPts val="500"/>
+        </a:spcBef>
+        <a:buFont typeface="Arial" panose="020B0604020202020204" pitchFamily="34" charset="0"/>
+        <a:buChar char="•"/>
+        <a:defRPr sz="2000" kern="1200">
+          <a:solidFill>
+            <a:schemeClr val="tx1"/>
+          </a:solidFill>
+          <a:latin typeface="+mn-lt"/>
+          <a:ea typeface="+mn-ea"/>
+          <a:cs typeface="+mn-cs"/>
+        </a:defRPr>
+      </a:lvl3pPr>
+      <a:lvl4pPr marL="1600200" indent="-228600" algn="l" defTabSz="914400" rtl="0" eaLnBrk="1" latinLnBrk="0" hangingPunct="1">
+        <a:lnSpc>
+          <a:spcPct val="90000"/>
+        </a:lnSpc>
+        <a:spcBef>
+          <a:spcPts val="500"/>
+        </a:spcBef>
+        <a:buFont typeface="Arial" panose="020B0604020202020204" pitchFamily="34" charset="0"/>
+        <a:buChar char="•"/>
+        <a:defRPr sz="1800" kern="1200">
+          <a:solidFill>
+            <a:schemeClr val="tx1"/>
+          </a:solidFill>
+          <a:latin typeface="+mn-lt"/>
+          <a:ea typeface="+mn-ea"/>
+          <a:cs typeface="+mn-cs"/>
+        </a:defRPr>
+      </a:lvl4pPr>
+      <a:lvl5pPr marL="2057400" indent="-228600" algn="l" defTabSz="914400" rtl="0" eaLnBrk="1" latinLnBrk="0" hangingPunct="1">
+        <a:lnSpc>
+          <a:spcPct val="90000"/>
+        </a:lnSpc>
+        <a:spcBef>
+          <a:spcPts val="500"/>
+        </a:spcBef>
+        <a:buFont typeface="Arial" panose="020B0604020202020204" pitchFamily="34" charset="0"/>
+        <a:buChar char="•"/>
+        <a:defRPr sz="1800" kern="1200">
+          <a:solidFill>
+            <a:schemeClr val="tx1"/>
+          </a:solidFill>
+          <a:latin typeface="+mn-lt"/>
+          <a:ea typeface="+mn-ea"/>
+          <a:cs typeface="+mn-cs"/>
+        </a:defRPr>
+      </a:lvl5pPr>
+      <a:lvl6pPr marL="2514600" indent="-228600" algn="l" defTabSz="914400" rtl="0" eaLnBrk="1" latinLnBrk="0" hangingPunct="1">
+        <a:lnSpc>
+          <a:spcPct val="90000"/>
+        </a:lnSpc>
+        <a:spcBef>
+          <a:spcPts val="500"/>
+        </a:spcBef>
+        <a:buFont typeface="Arial" panose="020B0604020202020204" pitchFamily="34" charset="0"/>
+        <a:buChar char="•"/>
+        <a:defRPr sz="1800" kern="1200">
+          <a:solidFill>
+            <a:schemeClr val="tx1"/>
+          </a:solidFill>
+          <a:latin typeface="+mn-lt"/>
+          <a:ea typeface="+mn-ea"/>
+          <a:cs typeface="+mn-cs"/>
+        </a:defRPr>
+      </a:lvl6pPr>
+      <a:lvl7pPr marL="2971800" indent="-228600" algn="l" defTabSz="914400" rtl="0" eaLnBrk="1" latinLnBrk="0" hangingPunct="1">
+        <a:lnSpc>
+          <a:spcPct val="90000"/>
+        </a:lnSpc>
+        <a:spcBef>
+          <a:spcPts val="500"/>
+        </a:spcBef>
+        <a:buFont typeface="Arial" panose="020B0604020202020204" pitchFamily="34" charset="0"/>
+        <a:buChar char="•"/>
+        <a:defRPr sz="1800" kern="1200">
+          <a:solidFill>
+            <a:schemeClr val="tx1"/>
+          </a:solidFill>
+          <a:latin typeface="+mn-lt"/>
+          <a:ea typeface="+mn-ea"/>
+          <a:cs typeface="+mn-cs"/>
+        </a:defRPr>
+      </a:lvl7pPr>
+      <a:lvl8pPr marL="3429000" indent="-228600" algn="l" defTabSz="914400" rtl="0" eaLnBrk="1" latinLnBrk="0" hangingPunct="1">
+        <a:lnSpc>
+          <a:spcPct val="90000"/>
+        </a:lnSpc>
+        <a:spcBef>
+          <a:spcPts val="500"/>
+        </a:spcBef>
+        <a:buFont typeface="Arial" panose="020B0604020202020204" pitchFamily="34" charset="0"/>
+        <a:buChar char="•"/>
+        <a:defRPr sz="1800" kern="1200">
+          <a:solidFill>
+            <a:schemeClr val="tx1"/>
+          </a:solidFill>
+          <a:latin typeface="+mn-lt"/>
+          <a:ea typeface="+mn-ea"/>
+          <a:cs typeface="+mn-cs"/>
+        </a:defRPr>
+      </a:lvl8pPr>
+      <a:lvl9pPr marL="3886200" indent="-228600" algn="l" defTabSz="914400" rtl="0" eaLnBrk="1" latinLnBrk="0" hangingPunct="1">
+        <a:lnSpc>
+          <a:spcPct val="90000"/>
+        </a:lnSpc>
+        <a:spcBef>
+          <a:spcPts val="500"/>
+        </a:spcBef>
+        <a:buFont typeface="Arial" panose="020B0604020202020204" pitchFamily="34" charset="0"/>
+        <a:buChar char="•"/>
+        <a:defRPr sz="1800" kern="1200">
+          <a:solidFill>
+            <a:schemeClr val="tx1"/>
+          </a:solidFill>
+          <a:latin typeface="+mn-lt"/>
+          <a:ea typeface="+mn-ea"/>
+          <a:cs typeface="+mn-cs"/>
+        </a:defRPr>
+      </a:lvl9pPr>
+    </p:bodyStyle>
+    <p:otherStyle>
+      <a:defPPr>
+        <a:defRPr lang="en-US"/>
+      </a:defPPr>
+      <a:lvl1pPr marL="0" algn="l" defTabSz="914400" rtl="0" eaLnBrk="1" latinLnBrk="0" hangingPunct="1">
+        <a:defRPr sz="1800" kern="1200">
+          <a:solidFill>
+            <a:schemeClr val="tx1"/>
+          </a:solidFill>
+          <a:latin typeface="+mn-lt"/>
+          <a:ea typeface="+mn-ea"/>
+          <a:cs typeface="+mn-cs"/>
+        </a:defRPr>
+      </a:lvl1pPr>
+      <a:lvl2pPr marL="457200" algn="l" defTabSz="914400" rtl="0" eaLnBrk="1" latinLnBrk="0" hangingPunct="1">
+        <a:defRPr sz="1800" kern="1200">
+          <a:solidFill>
+            <a:schemeClr val="tx1"/>
+          </a:solidFill>
+          <a:latin typeface="+mn-lt"/>
+          <a:ea typeface="+mn-ea"/>
+          <a:cs typeface="+mn-cs"/>
+        </a:defRPr>
+      </a:lvl2pPr>
+      <a:lvl3pPr marL="914400" algn="l" defTabSz="914400" rtl="0" eaLnBrk="1" latinLnBrk="0" hangingPunct="1">
+        <a:defRPr sz="1800" kern="1200">
+          <a:solidFill>
+            <a:schemeClr val="tx1"/>
+          </a:solidFill>
+          <a:latin typeface="+mn-lt"/>
+          <a:ea typeface="+mn-ea"/>
+          <a:cs typeface="+mn-cs"/>
+        </a:defRPr>
+      </a:lvl3pPr>
+      <a:lvl4pPr marL="1371600" algn="l" defTabSz="914400" rtl="0" eaLnBrk="1" latinLnBrk="0" hangingPunct="1">
+        <a:defRPr sz="1800" kern="1200">
+          <a:solidFill>
+            <a:schemeClr val="tx1"/>
+          </a:solidFill>
+          <a:latin typeface="+mn-lt"/>
+          <a:ea typeface="+mn-ea"/>
+          <a:cs typeface="+mn-cs"/>
+        </a:defRPr>
+      </a:lvl4pPr>
+      <a:lvl5pPr marL="1828800" algn="l" defTabSz="914400" rtl="0" eaLnBrk="1" latinLnBrk="0" hangingPunct="1">
+        <a:defRPr sz="1800" kern="1200">
+          <a:solidFill>
+            <a:schemeClr val="tx1"/>
+          </a:solidFill>
+          <a:latin typeface="+mn-lt"/>
+          <a:ea typeface="+mn-ea"/>
+          <a:cs typeface="+mn-cs"/>
+        </a:defRPr>
+      </a:lvl5pPr>
+      <a:lvl6pPr marL="2286000" algn="l" defTabSz="914400" rtl="0" eaLnBrk="1" latinLnBrk="0" hangingPunct="1">
+        <a:defRPr sz="1800" kern="1200">
+          <a:solidFill>
+            <a:schemeClr val="tx1"/>
+          </a:solidFill>
+          <a:latin typeface="+mn-lt"/>
+          <a:ea typeface="+mn-ea"/>
+          <a:cs typeface="+mn-cs"/>
+        </a:defRPr>
+      </a:lvl6pPr>
+      <a:lvl7pPr marL="2743200" algn="l" defTabSz="914400" rtl="0" eaLnBrk="1" latinLnBrk="0" hangingPunct="1">
+        <a:defRPr sz="1800" kern="1200">
+          <a:solidFill>
+            <a:schemeClr val="tx1"/>
+          </a:solidFill>
+          <a:latin typeface="+mn-lt"/>
+          <a:ea typeface="+mn-ea"/>
+          <a:cs typeface="+mn-cs"/>
+        </a:defRPr>
+      </a:lvl7pPr>
+      <a:lvl8pPr marL="3200400" algn="l" defTabSz="914400" rtl="0" eaLnBrk="1" latinLnBrk="0" hangingPunct="1">
+        <a:defRPr sz="1800" kern="1200">
+          <a:solidFill>
+            <a:schemeClr val="tx1"/>
+          </a:solidFill>
+          <a:latin typeface="+mn-lt"/>
+          <a:ea typeface="+mn-ea"/>
+          <a:cs typeface="+mn-cs"/>
+        </a:defRPr>
+      </a:lvl8pPr>
+      <a:lvl9pPr marL="3657600" algn="l" defTabSz="914400" rtl="0" eaLnBrk="1" latinLnBrk="0" hangingPunct="1">
+        <a:defRPr sz="1800" kern="1200">
+          <a:solidFill>
+            <a:schemeClr val="tx1"/>
+          </a:solidFill>
+          <a:latin typeface="+mn-lt"/>
+          <a:ea typeface="+mn-ea"/>
+          <a:cs typeface="+mn-cs"/>
+        </a:defRPr>
+      </a:lvl9pPr>
+    </p:otherStyle>
+  </p:txStyles>
 </p:sldMaster>
 </file>
 
 <file path=ppt/slides/slide1.xml><?xml version="1.0" encoding="utf-8"?>
-<p:sld xmlns:a="http://schemas.openxmlformats.org/drawingml/2006/main" xmlns:p="http://schemas.openxmlformats.org/presentationml/2006/main" xmlns:r="http://schemas.openxmlformats.org/officeDocument/2006/relationships" xmlns:p14="http://schemas.microsoft.com/office/powerpoint/2010/main" xmlns:p15="http://schemas.microsoft.com/office/powerpoint/2012/main" xmlns:mc="http://schemas.openxmlformats.org/markup-compatibility/2006">
+<p:sld xmlns:a="http://schemas.openxmlformats.org/drawingml/2006/main" xmlns:r="http://schemas.openxmlformats.org/officeDocument/2006/relationships" xmlns:p="http://schemas.openxmlformats.org/presentationml/2006/main">
   <p:cSld>
     <p:spTree>
       <p:nvGrpSpPr>
@@ -925,14 +1239,15 @@
           </a:ln>
         </p:spPr>
         <p:txBody>
-          <a:bodyPr lIns="0" rIns="0" tIns="0" bIns="0" anchor="ctr">
+          <a:bodyPr lIns="0" tIns="0" rIns="0" bIns="0" anchor="ctr">
             <a:spAutoFit/>
           </a:bodyPr>
+          <a:lstStyle/>
           <a:p>
             <a:pPr indent="0" algn="ctr">
               <a:buNone/>
             </a:pPr>
-            <a:endParaRPr b="0" lang="en-US" sz="4400" strike="noStrike" u="none">
+            <a:endParaRPr lang="en-US" sz="4400" b="0" u="none" strike="noStrike">
               <a:solidFill>
                 <a:srgbClr val="000000"/>
               </a:solidFill>
@@ -967,14 +1282,15 @@
           </a:ln>
         </p:spPr>
         <p:txBody>
-          <a:bodyPr lIns="0" rIns="0" tIns="0" bIns="0" anchor="ctr">
+          <a:bodyPr lIns="0" tIns="0" rIns="0" bIns="0" anchor="ctr">
             <a:spAutoFit/>
           </a:bodyPr>
+          <a:lstStyle/>
           <a:p>
             <a:pPr indent="0" algn="ctr">
               <a:buNone/>
             </a:pPr>
-            <a:endParaRPr b="0" lang="en-US" sz="3200" strike="noStrike" u="none">
+            <a:endParaRPr lang="en-US" sz="3200" b="0" u="none" strike="noStrike">
               <a:solidFill>
                 <a:srgbClr val="000000"/>
               </a:solidFill>
@@ -987,31 +1303,7 @@
       </p:sp>
       <p:pic>
         <p:nvPicPr>
-          <p:cNvPr id="11" name="" descr=""/>
-          <p:cNvPicPr/>
-          <p:nvPr/>
-        </p:nvPicPr>
-        <p:blipFill>
-          <a:blip r:embed="rId1"/>
-          <a:stretch/>
-        </p:blipFill>
-        <p:spPr>
-          <a:xfrm>
-            <a:off x="-798840" y="-192600"/>
-            <a:ext cx="20001240" cy="5943600"/>
-          </a:xfrm>
-          <a:prstGeom prst="rect">
-            <a:avLst/>
-          </a:prstGeom>
-          <a:noFill/>
-          <a:ln w="0">
-            <a:noFill/>
-          </a:ln>
-        </p:spPr>
-      </p:pic>
-      <p:pic>
-        <p:nvPicPr>
-          <p:cNvPr id="12" name="" descr=""/>
+          <p:cNvPr id="11" name="Picture 10"/>
           <p:cNvPicPr/>
           <p:nvPr/>
         </p:nvPicPr>
@@ -1021,7 +1313,31 @@
         </p:blipFill>
         <p:spPr>
           <a:xfrm>
-            <a:off x="1348920" y="1611360"/>
+            <a:off x="-853084" y="-136525"/>
+            <a:ext cx="20001240" cy="5943600"/>
+          </a:xfrm>
+          <a:prstGeom prst="rect">
+            <a:avLst/>
+          </a:prstGeom>
+          <a:noFill/>
+          <a:ln w="0">
+            <a:noFill/>
+          </a:ln>
+        </p:spPr>
+      </p:pic>
+      <p:pic>
+        <p:nvPicPr>
+          <p:cNvPr id="12" name="Picture 11"/>
+          <p:cNvPicPr/>
+          <p:nvPr/>
+        </p:nvPicPr>
+        <p:blipFill>
+          <a:blip r:embed="rId3"/>
+          <a:stretch/>
+        </p:blipFill>
+        <p:spPr>
+          <a:xfrm>
+            <a:off x="1679775" y="2013120"/>
             <a:ext cx="7382520" cy="2447640"/>
           </a:xfrm>
           <a:prstGeom prst="rect">
@@ -1035,13 +1351,13 @@
       </p:pic>
       <p:sp>
         <p:nvSpPr>
-          <p:cNvPr id="13" name=""/>
+          <p:cNvPr id="13" name="TextBox 12"/>
           <p:cNvSpPr txBox="1"/>
           <p:nvPr/>
         </p:nvSpPr>
         <p:spPr>
           <a:xfrm>
-            <a:off x="1077840" y="4487760"/>
+            <a:off x="3263101" y="4768920"/>
             <a:ext cx="7924680" cy="647640"/>
           </a:xfrm>
           <a:prstGeom prst="rect">
@@ -1053,124 +1369,120 @@
           </a:ln>
         </p:spPr>
         <p:txBody>
-          <a:bodyPr lIns="90000" rIns="90000" tIns="45000" bIns="45000" anchor="t">
+          <a:bodyPr lIns="90000" tIns="45000" rIns="90000" bIns="45000" anchor="t">
             <a:spAutoFit/>
           </a:bodyPr>
-          <a:p>
-            <a:r>
-              <a:rPr b="0" lang="en-US" sz="1800" strike="noStrike" u="none">
-                <a:solidFill>
-                  <a:srgbClr val="272a21"/>
-                </a:solidFill>
-                <a:effectLst/>
-                <a:uFillTx/>
-                <a:latin typeface="Arial"/>
-              </a:rPr>
-              <a:t>Matic Mlakar, Karel Šavs Štular, 3. Rb</a:t>
-            </a:r>
-            <a:r>
-              <a:rPr b="0" lang="en-US" sz="1800" strike="noStrike" u="none">
-                <a:solidFill>
-                  <a:srgbClr val="272a21"/>
-                </a:solidFill>
-                <a:effectLst/>
-                <a:uFillTx/>
-                <a:latin typeface="Arial"/>
-              </a:rPr>
-              <a:t>	</a:t>
-            </a:r>
-            <a:r>
-              <a:rPr b="0" lang="en-US" sz="1800" strike="noStrike" u="none">
-                <a:solidFill>
-                  <a:srgbClr val="272a21"/>
-                </a:solidFill>
-                <a:effectLst/>
-                <a:uFillTx/>
-                <a:latin typeface="Arial"/>
-              </a:rPr>
-              <a:t>	</a:t>
-            </a:r>
-            <a:r>
-              <a:rPr b="0" lang="en-US" sz="1800" strike="noStrike" u="none">
-                <a:solidFill>
-                  <a:srgbClr val="272a21"/>
-                </a:solidFill>
-                <a:effectLst/>
-                <a:uFillTx/>
-                <a:latin typeface="Arial"/>
-              </a:rPr>
-              <a:t>	</a:t>
-            </a:r>
-            <a:r>
-              <a:rPr b="0" lang="en-US" sz="1800" strike="noStrike" u="none">
-                <a:solidFill>
-                  <a:srgbClr val="272a21"/>
-                </a:solidFill>
-                <a:effectLst/>
-                <a:uFillTx/>
-                <a:latin typeface="Arial"/>
-              </a:rPr>
-              <a:t>	</a:t>
-            </a:r>
-            <a:r>
-              <a:rPr b="0" lang="en-US" sz="1800" strike="noStrike" u="none">
-                <a:solidFill>
-                  <a:srgbClr val="272a21"/>
-                </a:solidFill>
-                <a:effectLst/>
-                <a:uFillTx/>
-                <a:latin typeface="Arial"/>
-              </a:rPr>
-              <a:t>	</a:t>
-            </a:r>
-            <a:r>
-              <a:rPr b="0" lang="en-US" sz="1800" strike="noStrike" u="none">
-                <a:solidFill>
-                  <a:srgbClr val="272a21"/>
-                </a:solidFill>
-                <a:effectLst/>
-                <a:uFillTx/>
-                <a:latin typeface="Arial"/>
-              </a:rPr>
-              <a:t>	</a:t>
-            </a:r>
-            <a:r>
-              <a:rPr b="0" lang="en-US" sz="1800" strike="noStrike" u="none">
-                <a:solidFill>
-                  <a:srgbClr val="272a21"/>
-                </a:solidFill>
-                <a:effectLst/>
-                <a:uFillTx/>
-                <a:latin typeface="Arial"/>
-              </a:rPr>
-              <a:t>16. 5. 2025</a:t>
-            </a:r>
-            <a:endParaRPr b="0" lang="en-US" sz="1800" strike="noStrike" u="none">
-              <a:solidFill>
-                <a:srgbClr val="000000"/>
-              </a:solidFill>
-              <a:effectLst/>
-              <a:uFillTx/>
-              <a:latin typeface="Arial"/>
-            </a:endParaRPr>
+          <a:lstStyle/>
+          <a:p>
+            <a:r>
+              <a:rPr lang="en-US" sz="1800" b="0" u="none" strike="noStrike" dirty="0">
+                <a:solidFill>
+                  <a:schemeClr val="bg1"/>
+                </a:solidFill>
+                <a:effectLst/>
+                <a:uFillTx/>
+                <a:latin typeface="Arial"/>
+              </a:rPr>
+              <a:t>Matic Mlakar, Karel </a:t>
+            </a:r>
+            <a:r>
+              <a:rPr lang="en-US" sz="1800" b="0" u="none" strike="noStrike" dirty="0" err="1">
+                <a:solidFill>
+                  <a:schemeClr val="bg1"/>
+                </a:solidFill>
+                <a:effectLst/>
+                <a:uFillTx/>
+                <a:latin typeface="Arial"/>
+              </a:rPr>
+              <a:t>Šavs</a:t>
+            </a:r>
+            <a:r>
+              <a:rPr lang="en-US" sz="1800" b="0" u="none" strike="noStrike" dirty="0">
+                <a:solidFill>
+                  <a:schemeClr val="bg1"/>
+                </a:solidFill>
+                <a:effectLst/>
+                <a:uFillTx/>
+                <a:latin typeface="Arial"/>
+              </a:rPr>
+              <a:t> Štular, 3. Rb					16. 5. 2025</a:t>
+            </a:r>
+          </a:p>
+        </p:txBody>
+      </p:sp>
+      <p:sp>
+        <p:nvSpPr>
+          <p:cNvPr id="2" name="TextBox 1">
+            <a:extLst>
+              <a:ext uri="{FF2B5EF4-FFF2-40B4-BE49-F238E27FC236}">
+                <a16:creationId xmlns:a16="http://schemas.microsoft.com/office/drawing/2014/main" id="{288BF8D1-92C2-58B2-0A73-946D216A4D21}"/>
+              </a:ext>
+            </a:extLst>
+          </p:cNvPr>
+          <p:cNvSpPr txBox="1"/>
+          <p:nvPr/>
+        </p:nvSpPr>
+        <p:spPr>
+          <a:xfrm>
+            <a:off x="3828081" y="1535125"/>
+            <a:ext cx="3921072" cy="1323439"/>
+          </a:xfrm>
+          <a:prstGeom prst="rect">
+            <a:avLst/>
+          </a:prstGeom>
+          <a:noFill/>
+        </p:spPr>
+        <p:txBody>
+          <a:bodyPr wrap="square" rtlCol="0">
+            <a:spAutoFit/>
+          </a:bodyPr>
+          <a:lstStyle/>
+          <a:p>
+            <a:r>
+              <a:rPr lang="en-US" sz="4000" dirty="0" err="1">
+                <a:solidFill>
+                  <a:schemeClr val="bg1"/>
+                </a:solidFill>
+              </a:rPr>
+              <a:t>Spletna</a:t>
+            </a:r>
+            <a:r>
+              <a:rPr lang="en-US" sz="4000" dirty="0">
+                <a:solidFill>
+                  <a:schemeClr val="bg1"/>
+                </a:solidFill>
+              </a:rPr>
+              <a:t> </a:t>
+            </a:r>
+            <a:r>
+              <a:rPr lang="en-US" sz="4000" dirty="0" err="1">
+                <a:solidFill>
+                  <a:schemeClr val="bg1"/>
+                </a:solidFill>
+              </a:rPr>
+              <a:t>aplikacija</a:t>
+            </a:r>
+            <a:r>
+              <a:rPr lang="en-US" sz="4000" dirty="0">
+                <a:solidFill>
+                  <a:schemeClr val="bg1"/>
+                </a:solidFill>
+              </a:rPr>
+              <a:t>:</a:t>
+            </a:r>
           </a:p>
         </p:txBody>
       </p:sp>
     </p:spTree>
   </p:cSld>
-  <mc:AlternateContent>
-    <mc:Choice Requires="p14">
-      <p:transition spd="slow" p14:dur="2000"/>
-    </mc:Choice>
-    <mc:Fallback>
-      <p:transition spd="slow"/>
-    </mc:Fallback>
-  </mc:AlternateContent>
+  <p:clrMapOvr>
+    <a:masterClrMapping/>
+  </p:clrMapOvr>
 </p:sld>
 </file>
 
 <file path=ppt/slides/slide2.xml><?xml version="1.0" encoding="utf-8"?>
-<p:sld xmlns:a="http://schemas.openxmlformats.org/drawingml/2006/main" xmlns:p="http://schemas.openxmlformats.org/presentationml/2006/main" xmlns:r="http://schemas.openxmlformats.org/officeDocument/2006/relationships" xmlns:p14="http://schemas.microsoft.com/office/powerpoint/2010/main" xmlns:p15="http://schemas.microsoft.com/office/powerpoint/2012/main" xmlns:mc="http://schemas.openxmlformats.org/markup-compatibility/2006">
+<p:sld xmlns:a="http://schemas.openxmlformats.org/drawingml/2006/main" xmlns:r="http://schemas.openxmlformats.org/officeDocument/2006/relationships" xmlns:p="http://schemas.openxmlformats.org/presentationml/2006/main">
   <p:cSld>
     <p:spTree>
       <p:nvGrpSpPr>
@@ -1188,12 +1500,12 @@
       </p:grpSpPr>
       <p:pic>
         <p:nvPicPr>
-          <p:cNvPr id="14" name="" descr=""/>
+          <p:cNvPr id="14" name="Picture 13"/>
           <p:cNvPicPr/>
           <p:nvPr/>
         </p:nvPicPr>
         <p:blipFill>
-          <a:blip r:embed="rId1"/>
+          <a:blip r:embed="rId2"/>
           <a:stretch/>
         </p:blipFill>
         <p:spPr>
@@ -1222,8 +1534,8 @@
         </p:nvSpPr>
         <p:spPr>
           <a:xfrm>
-            <a:off x="504000" y="226080"/>
-            <a:ext cx="9071640" cy="946440"/>
+            <a:off x="504000" y="394601"/>
+            <a:ext cx="9071640" cy="609398"/>
           </a:xfrm>
           <a:prstGeom prst="rect">
             <a:avLst/>
@@ -1234,27 +1546,50 @@
           </a:ln>
         </p:spPr>
         <p:txBody>
-          <a:bodyPr lIns="0" rIns="0" tIns="0" bIns="0" anchor="ctr">
+          <a:bodyPr lIns="0" tIns="0" rIns="0" bIns="0" anchor="ctr">
             <a:spAutoFit/>
           </a:bodyPr>
+          <a:lstStyle/>
           <a:p>
             <a:pPr indent="0" algn="ctr">
               <a:buNone/>
             </a:pPr>
             <a:r>
-              <a:rPr b="0" lang="en-US" sz="4400" strike="noStrike" u="none">
-                <a:solidFill>
-                  <a:srgbClr val="272a21"/>
-                </a:solidFill>
-                <a:effectLst/>
-                <a:uFillTx/>
-                <a:latin typeface="Arial"/>
-              </a:rPr>
-              <a:t>Namen aplikacije</a:t>
-            </a:r>
-            <a:endParaRPr b="0" lang="en-US" sz="4400" strike="noStrike" u="none">
+              <a:rPr lang="en-US" sz="4400" b="0" u="none" strike="noStrike" dirty="0" err="1">
+                <a:solidFill>
+                  <a:schemeClr val="bg1"/>
+                </a:solidFill>
+                <a:effectLst/>
+                <a:uFillTx/>
+                <a:latin typeface="Arial"/>
+              </a:rPr>
+              <a:t>Namen</a:t>
+            </a:r>
+            <a:r>
+              <a:rPr lang="en-US" sz="4400" b="0" u="none" strike="noStrike" dirty="0">
+                <a:solidFill>
+                  <a:schemeClr val="bg1"/>
+                </a:solidFill>
+                <a:effectLst/>
+                <a:uFillTx/>
+                <a:latin typeface="Arial"/>
+              </a:rPr>
+              <a:t> </a:t>
+            </a:r>
+            <a:r>
+              <a:rPr lang="en-US" sz="4400" b="0" u="none" strike="noStrike" dirty="0" err="1">
+                <a:solidFill>
+                  <a:schemeClr val="bg1"/>
+                </a:solidFill>
+                <a:effectLst/>
+                <a:uFillTx/>
+                <a:latin typeface="Arial"/>
+              </a:rPr>
+              <a:t>aplikacije</a:t>
+            </a:r>
+            <a:endParaRPr lang="en-US" sz="4400" b="0" u="none" strike="noStrike" dirty="0">
               <a:solidFill>
-                <a:srgbClr val="000000"/>
+                <a:schemeClr val="bg1"/>
               </a:solidFill>
               <a:effectLst/>
               <a:uFillTx/>
@@ -1287,9 +1622,10 @@
           </a:ln>
         </p:spPr>
         <p:txBody>
-          <a:bodyPr lIns="0" rIns="0" tIns="0" bIns="0" anchor="t">
+          <a:bodyPr lIns="0" tIns="0" rIns="0" bIns="0" anchor="t">
             <a:normAutofit/>
           </a:bodyPr>
+          <a:lstStyle/>
           <a:p>
             <a:pPr marL="432000" indent="-324000">
               <a:spcBef>
@@ -1303,9 +1639,9 @@
               <a:buChar char=""/>
             </a:pPr>
             <a:r>
-              <a:rPr b="0" lang="en-US" sz="3200" strike="noStrike" u="none">
-                <a:solidFill>
-                  <a:srgbClr val="272a21"/>
+              <a:rPr lang="en-US" sz="3200" b="0" u="none" strike="noStrike" dirty="0" err="1">
+                <a:solidFill>
+                  <a:schemeClr val="bg1"/>
                 </a:solidFill>
                 <a:effectLst/>
                 <a:uFillTx/>
@@ -1313,9 +1649,9 @@
               </a:rPr>
               <a:t>Komunikacija</a:t>
             </a:r>
-            <a:endParaRPr b="0" lang="en-US" sz="3200" strike="noStrike" u="none">
+            <a:endParaRPr lang="en-US" sz="3200" b="0" u="none" strike="noStrike" dirty="0">
               <a:solidFill>
-                <a:srgbClr val="000000"/>
+                <a:schemeClr val="bg1"/>
               </a:solidFill>
               <a:effectLst/>
               <a:uFillTx/>
@@ -1335,19 +1671,41 @@
               <a:buChar char=""/>
             </a:pPr>
             <a:r>
-              <a:rPr b="0" lang="en-US" sz="3200" strike="noStrike" u="none">
-                <a:solidFill>
-                  <a:srgbClr val="272a21"/>
-                </a:solidFill>
-                <a:effectLst/>
-                <a:uFillTx/>
-                <a:latin typeface="Arial"/>
-              </a:rPr>
-              <a:t>Objava dosežkov</a:t>
-            </a:r>
-            <a:endParaRPr b="0" lang="en-US" sz="3200" strike="noStrike" u="none">
+              <a:rPr lang="en-US" sz="3200" b="0" u="none" strike="noStrike" dirty="0" err="1">
+                <a:solidFill>
+                  <a:schemeClr val="bg1"/>
+                </a:solidFill>
+                <a:effectLst/>
+                <a:uFillTx/>
+                <a:latin typeface="Arial"/>
+              </a:rPr>
+              <a:t>Objava</a:t>
+            </a:r>
+            <a:r>
+              <a:rPr lang="en-US" sz="3200" b="0" u="none" strike="noStrike" dirty="0">
+                <a:solidFill>
+                  <a:schemeClr val="bg1"/>
+                </a:solidFill>
+                <a:effectLst/>
+                <a:uFillTx/>
+                <a:latin typeface="Arial"/>
+              </a:rPr>
+              <a:t> </a:t>
+            </a:r>
+            <a:r>
+              <a:rPr lang="en-US" sz="3200" b="0" u="none" strike="noStrike" dirty="0" err="1">
+                <a:solidFill>
+                  <a:schemeClr val="bg1"/>
+                </a:solidFill>
+                <a:effectLst/>
+                <a:uFillTx/>
+                <a:latin typeface="Arial"/>
+              </a:rPr>
+              <a:t>dosežkov</a:t>
+            </a:r>
+            <a:endParaRPr lang="en-US" sz="3200" b="0" u="none" strike="noStrike" dirty="0">
               <a:solidFill>
-                <a:srgbClr val="000000"/>
+                <a:schemeClr val="bg1"/>
               </a:solidFill>
               <a:effectLst/>
               <a:uFillTx/>
@@ -1367,17 +1725,55 @@
               <a:buChar char=""/>
             </a:pPr>
             <a:r>
-              <a:rPr b="0" lang="en-US" sz="3200" strike="noStrike" u="none">
-                <a:solidFill>
-                  <a:srgbClr val="272a21"/>
-                </a:solidFill>
-                <a:effectLst/>
-                <a:uFillTx/>
-                <a:latin typeface="Arial"/>
-              </a:rPr>
-              <a:t>Organizacija izletov</a:t>
-            </a:r>
-            <a:endParaRPr b="0" lang="en-US" sz="3200" strike="noStrike" u="none">
+              <a:rPr lang="en-US" sz="3200" b="0" u="none" strike="noStrike" dirty="0" err="1">
+                <a:solidFill>
+                  <a:schemeClr val="bg1"/>
+                </a:solidFill>
+                <a:effectLst/>
+                <a:uFillTx/>
+                <a:latin typeface="Arial"/>
+              </a:rPr>
+              <a:t>Organizacija</a:t>
+            </a:r>
+            <a:r>
+              <a:rPr lang="en-US" sz="3200" b="0" u="none" strike="noStrike" dirty="0">
+                <a:solidFill>
+                  <a:schemeClr val="bg1"/>
+                </a:solidFill>
+                <a:effectLst/>
+                <a:uFillTx/>
+                <a:latin typeface="Arial"/>
+              </a:rPr>
+              <a:t> </a:t>
+            </a:r>
+            <a:r>
+              <a:rPr lang="en-US" sz="3200" b="0" u="none" strike="noStrike" dirty="0" err="1">
+                <a:solidFill>
+                  <a:schemeClr val="bg1"/>
+                </a:solidFill>
+                <a:effectLst/>
+                <a:uFillTx/>
+                <a:latin typeface="Arial"/>
+              </a:rPr>
+              <a:t>izletov</a:t>
+            </a:r>
+            <a:endParaRPr lang="en-US" sz="3200" b="0" u="none" strike="noStrike" dirty="0">
+              <a:solidFill>
+                <a:schemeClr val="bg1"/>
+              </a:solidFill>
+              <a:effectLst/>
+              <a:uFillTx/>
+              <a:latin typeface="Arial"/>
+            </a:endParaRPr>
+          </a:p>
+          <a:p>
+            <a:pPr indent="0">
+              <a:spcBef>
+                <a:spcPts val="1417"/>
+              </a:spcBef>
+              <a:buNone/>
+            </a:pPr>
+            <a:endParaRPr lang="en-US" sz="3200" b="0" u="none" strike="noStrike" dirty="0">
               <a:solidFill>
                 <a:srgbClr val="000000"/>
               </a:solidFill>
@@ -1386,67 +1782,18 @@
               <a:latin typeface="Arial"/>
             </a:endParaRPr>
           </a:p>
-          <a:p>
-            <a:pPr indent="0">
-              <a:spcBef>
-                <a:spcPts val="1417"/>
-              </a:spcBef>
-              <a:buNone/>
-            </a:pPr>
-            <a:endParaRPr b="0" lang="en-US" sz="3200" strike="noStrike" u="none">
-              <a:solidFill>
-                <a:srgbClr val="000000"/>
-              </a:solidFill>
-              <a:effectLst/>
-              <a:uFillTx/>
-              <a:latin typeface="Arial"/>
-            </a:endParaRPr>
-          </a:p>
-          <a:p>
-            <a:pPr indent="0">
-              <a:spcBef>
-                <a:spcPts val="1417"/>
-              </a:spcBef>
-              <a:buNone/>
-            </a:pPr>
-            <a:r>
-              <a:rPr b="0" lang="en-US" sz="3200" strike="noStrike" u="none">
-                <a:solidFill>
-                  <a:srgbClr val="000000"/>
-                </a:solidFill>
-                <a:effectLst/>
-                <a:uFillTx/>
-                <a:latin typeface="Arial"/>
-                <a:hlinkClick r:id="rId2"/>
-              </a:rPr>
-              <a:t>http://127.0.0.1:5000/</a:t>
-            </a:r>
-            <a:endParaRPr b="0" lang="en-US" sz="3200" strike="noStrike" u="none">
-              <a:solidFill>
-                <a:srgbClr val="000000"/>
-              </a:solidFill>
-              <a:effectLst/>
-              <a:uFillTx/>
-              <a:latin typeface="Arial"/>
-            </a:endParaRPr>
-          </a:p>
         </p:txBody>
       </p:sp>
     </p:spTree>
   </p:cSld>
-  <mc:AlternateContent>
-    <mc:Choice Requires="p14">
-      <p:transition spd="slow" p14:dur="2000"/>
-    </mc:Choice>
-    <mc:Fallback>
-      <p:transition spd="slow"/>
-    </mc:Fallback>
-  </mc:AlternateContent>
+  <p:clrMapOvr>
+    <a:masterClrMapping/>
+  </p:clrMapOvr>
 </p:sld>
 </file>
 
 <file path=ppt/slides/slide3.xml><?xml version="1.0" encoding="utf-8"?>
-<p:sld xmlns:a="http://schemas.openxmlformats.org/drawingml/2006/main" xmlns:p="http://schemas.openxmlformats.org/presentationml/2006/main" xmlns:r="http://schemas.openxmlformats.org/officeDocument/2006/relationships" xmlns:p14="http://schemas.microsoft.com/office/powerpoint/2010/main" xmlns:p15="http://schemas.microsoft.com/office/powerpoint/2012/main" xmlns:mc="http://schemas.openxmlformats.org/markup-compatibility/2006">
+<p:sld xmlns:a="http://schemas.openxmlformats.org/drawingml/2006/main" xmlns:r="http://schemas.openxmlformats.org/officeDocument/2006/relationships" xmlns:p="http://schemas.openxmlformats.org/presentationml/2006/main">
   <p:cSld>
     <p:spTree>
       <p:nvGrpSpPr>
@@ -1464,17 +1811,17 @@
       </p:grpSpPr>
       <p:pic>
         <p:nvPicPr>
-          <p:cNvPr id="17" name="" descr=""/>
+          <p:cNvPr id="17" name="Picture 16"/>
           <p:cNvPicPr/>
           <p:nvPr/>
         </p:nvPicPr>
         <p:blipFill>
-          <a:blip r:embed="rId1"/>
+          <a:blip r:embed="rId2"/>
           <a:stretch/>
         </p:blipFill>
         <p:spPr>
           <a:xfrm>
-            <a:off x="-569880" y="-165600"/>
+            <a:off x="-593127" y="-136525"/>
             <a:ext cx="20001240" cy="5943600"/>
           </a:xfrm>
           <a:prstGeom prst="rect">
@@ -1498,8 +1845,8 @@
         </p:nvSpPr>
         <p:spPr>
           <a:xfrm>
-            <a:off x="504000" y="226080"/>
-            <a:ext cx="9071640" cy="946440"/>
+            <a:off x="504000" y="394601"/>
+            <a:ext cx="9071640" cy="609398"/>
           </a:xfrm>
           <a:prstGeom prst="rect">
             <a:avLst/>
@@ -1510,27 +1857,39 @@
           </a:ln>
         </p:spPr>
         <p:txBody>
-          <a:bodyPr lIns="0" rIns="0" tIns="0" bIns="0" anchor="ctr">
+          <a:bodyPr lIns="0" tIns="0" rIns="0" bIns="0" anchor="ctr">
             <a:spAutoFit/>
           </a:bodyPr>
+          <a:lstStyle/>
           <a:p>
             <a:pPr indent="0" algn="ctr">
               <a:buNone/>
             </a:pPr>
             <a:r>
-              <a:rPr b="0" lang="en-US" sz="4400" strike="noStrike" u="none">
-                <a:solidFill>
-                  <a:srgbClr val="272a21"/>
-                </a:solidFill>
-                <a:effectLst/>
-                <a:uFillTx/>
-                <a:latin typeface="Arial"/>
-              </a:rPr>
-              <a:t>Ni konkurence</a:t>
-            </a:r>
-            <a:endParaRPr b="0" lang="en-US" sz="4400" strike="noStrike" u="none">
+              <a:rPr lang="en-US" sz="4400" b="0" u="none" strike="noStrike" dirty="0">
+                <a:solidFill>
+                  <a:schemeClr val="bg1"/>
+                </a:solidFill>
+                <a:effectLst/>
+                <a:uFillTx/>
+                <a:latin typeface="Arial"/>
+              </a:rPr>
+              <a:t>Ni </a:t>
+            </a:r>
+            <a:r>
+              <a:rPr lang="en-US" sz="4400" b="0" u="none" strike="noStrike" dirty="0" err="1">
+                <a:solidFill>
+                  <a:schemeClr val="bg1"/>
+                </a:solidFill>
+                <a:effectLst/>
+                <a:uFillTx/>
+                <a:latin typeface="Arial"/>
+              </a:rPr>
+              <a:t>konkurence</a:t>
+            </a:r>
+            <a:endParaRPr lang="en-US" sz="4400" b="0" u="none" strike="noStrike" dirty="0">
               <a:solidFill>
-                <a:srgbClr val="000000"/>
+                <a:schemeClr val="bg1"/>
               </a:solidFill>
               <a:effectLst/>
               <a:uFillTx/>
@@ -1563,9 +1922,10 @@
           </a:ln>
         </p:spPr>
         <p:txBody>
-          <a:bodyPr lIns="0" rIns="0" tIns="0" bIns="0" anchor="t">
+          <a:bodyPr lIns="0" tIns="0" rIns="0" bIns="0" anchor="t">
             <a:normAutofit/>
           </a:bodyPr>
+          <a:lstStyle/>
           <a:p>
             <a:pPr indent="0">
               <a:spcBef>
@@ -1573,9 +1933,165 @@
               </a:spcBef>
               <a:buNone/>
             </a:pPr>
-            <a:endParaRPr b="0" lang="en-US" sz="3200" strike="noStrike" u="none">
+            <a:r>
+              <a:rPr lang="en-US" sz="2000" b="0" u="none" strike="noStrike" dirty="0" err="1">
+                <a:solidFill>
+                  <a:schemeClr val="bg1"/>
+                </a:solidFill>
+                <a:effectLst/>
+                <a:uFillTx/>
+                <a:latin typeface="Arial"/>
+              </a:rPr>
+              <a:t>Čeprav</a:t>
+            </a:r>
+            <a:r>
+              <a:rPr lang="en-US" sz="2000" b="0" u="none" strike="noStrike" dirty="0">
+                <a:solidFill>
+                  <a:schemeClr val="bg1"/>
+                </a:solidFill>
+                <a:effectLst/>
+                <a:uFillTx/>
+                <a:latin typeface="Arial"/>
+              </a:rPr>
+              <a:t> </a:t>
+            </a:r>
+            <a:r>
+              <a:rPr lang="en-US" sz="2000" b="0" u="none" strike="noStrike" dirty="0" err="1">
+                <a:solidFill>
+                  <a:schemeClr val="bg1"/>
+                </a:solidFill>
+                <a:effectLst/>
+                <a:uFillTx/>
+                <a:latin typeface="Arial"/>
+              </a:rPr>
+              <a:t>obstajajo</a:t>
+            </a:r>
+            <a:r>
+              <a:rPr lang="en-US" sz="2000" b="0" u="none" strike="noStrike" dirty="0">
+                <a:solidFill>
+                  <a:schemeClr val="bg1"/>
+                </a:solidFill>
+                <a:effectLst/>
+                <a:uFillTx/>
+                <a:latin typeface="Arial"/>
+              </a:rPr>
+              <a:t> </a:t>
+            </a:r>
+            <a:r>
+              <a:rPr lang="en-US" sz="2000" b="0" u="none" strike="noStrike" dirty="0" err="1">
+                <a:solidFill>
+                  <a:schemeClr val="bg1"/>
+                </a:solidFill>
+                <a:effectLst/>
+                <a:uFillTx/>
+                <a:latin typeface="Arial"/>
+              </a:rPr>
+              <a:t>aplikacije</a:t>
+            </a:r>
+            <a:r>
+              <a:rPr lang="en-US" sz="2000" b="0" u="none" strike="noStrike" dirty="0">
+                <a:solidFill>
+                  <a:schemeClr val="bg1"/>
+                </a:solidFill>
+                <a:effectLst/>
+                <a:uFillTx/>
+                <a:latin typeface="Arial"/>
+              </a:rPr>
+              <a:t> </a:t>
+            </a:r>
+            <a:endParaRPr lang="en-US" sz="2000" dirty="0">
               <a:solidFill>
-                <a:srgbClr val="000000"/>
+                <a:schemeClr val="bg1"/>
+              </a:solidFill>
+              <a:latin typeface="Arial"/>
+            </a:endParaRPr>
+          </a:p>
+          <a:p>
+            <a:pPr indent="0">
+              <a:spcBef>
+                <a:spcPts val="1417"/>
+              </a:spcBef>
+              <a:buNone/>
+            </a:pPr>
+            <a:r>
+              <a:rPr lang="en-US" sz="2000" dirty="0">
+                <a:solidFill>
+                  <a:schemeClr val="bg1"/>
+                </a:solidFill>
+                <a:latin typeface="Arial"/>
+              </a:rPr>
+              <a:t>s</a:t>
+            </a:r>
+            <a:r>
+              <a:rPr lang="en-US" sz="2000" b="0" u="none" strike="noStrike" dirty="0">
+                <a:solidFill>
+                  <a:schemeClr val="bg1"/>
+                </a:solidFill>
+                <a:effectLst/>
+                <a:uFillTx/>
+                <a:latin typeface="Arial"/>
+              </a:rPr>
+              <a:t> </a:t>
+            </a:r>
+            <a:r>
+              <a:rPr lang="en-US" sz="2000" b="0" u="none" strike="noStrike" dirty="0" err="1">
+                <a:solidFill>
+                  <a:schemeClr val="bg1"/>
+                </a:solidFill>
+                <a:effectLst/>
+                <a:uFillTx/>
+                <a:latin typeface="Arial"/>
+              </a:rPr>
+              <a:t>podobnim</a:t>
+            </a:r>
+            <a:r>
+              <a:rPr lang="en-US" sz="2000" b="0" u="none" strike="noStrike" dirty="0">
+                <a:solidFill>
+                  <a:schemeClr val="bg1"/>
+                </a:solidFill>
+                <a:effectLst/>
+                <a:uFillTx/>
+                <a:latin typeface="Arial"/>
+              </a:rPr>
+              <a:t> </a:t>
+            </a:r>
+            <a:r>
+              <a:rPr lang="en-US" sz="2000" b="0" u="none" strike="noStrike" dirty="0" err="1">
+                <a:solidFill>
+                  <a:schemeClr val="bg1"/>
+                </a:solidFill>
+                <a:effectLst/>
+                <a:uFillTx/>
+                <a:latin typeface="Arial"/>
+              </a:rPr>
+              <a:t>namenom</a:t>
+            </a:r>
+            <a:r>
+              <a:rPr lang="en-US" sz="2000" b="0" u="none" strike="noStrike" dirty="0">
+                <a:solidFill>
+                  <a:schemeClr val="bg1"/>
+                </a:solidFill>
+                <a:effectLst/>
+                <a:uFillTx/>
+                <a:latin typeface="Arial"/>
+              </a:rPr>
+              <a:t> </a:t>
+            </a:r>
+            <a:r>
+              <a:rPr lang="en-US" sz="2000" b="0" u="none" strike="noStrike" dirty="0">
+                <a:solidFill>
+                  <a:schemeClr val="bg1"/>
+                </a:solidFill>
+                <a:effectLst/>
+                <a:uFillTx/>
+                <a:latin typeface="Arial"/>
+                <a:sym typeface="Wingdings" panose="05000000000000000000" pitchFamily="2" charset="2"/>
+              </a:rPr>
+              <a:t></a:t>
+            </a:r>
+            <a:endParaRPr lang="en-US" sz="2000" b="0" u="none" strike="noStrike" dirty="0">
+              <a:solidFill>
+                <a:schemeClr val="bg1"/>
               </a:solidFill>
               <a:effectLst/>
               <a:uFillTx/>
@@ -1586,31 +2102,7 @@
       </p:sp>
       <p:pic>
         <p:nvPicPr>
-          <p:cNvPr id="20" name="" descr=""/>
-          <p:cNvPicPr/>
-          <p:nvPr/>
-        </p:nvPicPr>
-        <p:blipFill>
-          <a:blip r:embed="rId2"/>
-          <a:stretch/>
-        </p:blipFill>
-        <p:spPr>
-          <a:xfrm>
-            <a:off x="4857840" y="1471680"/>
-            <a:ext cx="2381040" cy="628200"/>
-          </a:xfrm>
-          <a:prstGeom prst="rect">
-            <a:avLst/>
-          </a:prstGeom>
-          <a:noFill/>
-          <a:ln w="0">
-            <a:noFill/>
-          </a:ln>
-        </p:spPr>
-      </p:pic>
-      <p:pic>
-        <p:nvPicPr>
-          <p:cNvPr id="21" name="" descr=""/>
+          <p:cNvPr id="20" name="Picture 19"/>
           <p:cNvPicPr/>
           <p:nvPr/>
         </p:nvPicPr>
@@ -1620,8 +2112,8 @@
         </p:blipFill>
         <p:spPr>
           <a:xfrm>
-            <a:off x="775080" y="1734120"/>
-            <a:ext cx="3599640" cy="2024640"/>
+            <a:off x="4175332" y="1228835"/>
+            <a:ext cx="2589096" cy="946056"/>
           </a:xfrm>
           <a:prstGeom prst="rect">
             <a:avLst/>
@@ -1634,7 +2126,7 @@
       </p:pic>
       <p:pic>
         <p:nvPicPr>
-          <p:cNvPr id="22" name="" descr=""/>
+          <p:cNvPr id="21" name="Picture 20"/>
           <p:cNvPicPr/>
           <p:nvPr/>
         </p:nvPicPr>
@@ -1644,8 +2136,32 @@
         </p:blipFill>
         <p:spPr>
           <a:xfrm>
-            <a:off x="6112440" y="2782440"/>
-            <a:ext cx="2381040" cy="504360"/>
+            <a:off x="504000" y="2077126"/>
+            <a:ext cx="4106746" cy="2537713"/>
+          </a:xfrm>
+          <a:prstGeom prst="rect">
+            <a:avLst/>
+          </a:prstGeom>
+          <a:noFill/>
+          <a:ln w="0">
+            <a:noFill/>
+          </a:ln>
+        </p:spPr>
+      </p:pic>
+      <p:pic>
+        <p:nvPicPr>
+          <p:cNvPr id="22" name="Picture 21"/>
+          <p:cNvPicPr/>
+          <p:nvPr/>
+        </p:nvPicPr>
+        <p:blipFill>
+          <a:blip r:embed="rId5"/>
+          <a:stretch/>
+        </p:blipFill>
+        <p:spPr>
+          <a:xfrm>
+            <a:off x="6204746" y="3495660"/>
+            <a:ext cx="3370894" cy="998848"/>
           </a:xfrm>
           <a:prstGeom prst="rect">
             <a:avLst/>
@@ -1658,19 +2174,14 @@
       </p:pic>
     </p:spTree>
   </p:cSld>
-  <mc:AlternateContent>
-    <mc:Choice Requires="p14">
-      <p:transition spd="slow" p14:dur="2000"/>
-    </mc:Choice>
-    <mc:Fallback>
-      <p:transition spd="slow"/>
-    </mc:Fallback>
-  </mc:AlternateContent>
+  <p:clrMapOvr>
+    <a:masterClrMapping/>
+  </p:clrMapOvr>
 </p:sld>
 </file>
 
 <file path=ppt/slides/slide4.xml><?xml version="1.0" encoding="utf-8"?>
-<p:sld xmlns:a="http://schemas.openxmlformats.org/drawingml/2006/main" xmlns:p="http://schemas.openxmlformats.org/presentationml/2006/main" xmlns:r="http://schemas.openxmlformats.org/officeDocument/2006/relationships" xmlns:p14="http://schemas.microsoft.com/office/powerpoint/2010/main" xmlns:p15="http://schemas.microsoft.com/office/powerpoint/2012/main" xmlns:mc="http://schemas.openxmlformats.org/markup-compatibility/2006">
+<p:sld xmlns:a="http://schemas.openxmlformats.org/drawingml/2006/main" xmlns:r="http://schemas.openxmlformats.org/officeDocument/2006/relationships" xmlns:p="http://schemas.openxmlformats.org/presentationml/2006/main">
   <p:cSld>
     <p:spTree>
       <p:nvGrpSpPr>
@@ -1688,17 +2199,17 @@
       </p:grpSpPr>
       <p:pic>
         <p:nvPicPr>
-          <p:cNvPr id="23" name="" descr=""/>
+          <p:cNvPr id="23" name="Picture 22"/>
           <p:cNvPicPr/>
           <p:nvPr/>
         </p:nvPicPr>
         <p:blipFill>
-          <a:blip r:embed="rId1"/>
+          <a:blip r:embed="rId2"/>
           <a:stretch/>
         </p:blipFill>
         <p:spPr>
           <a:xfrm>
-            <a:off x="-569520" y="-165600"/>
+            <a:off x="-848489" y="-136525"/>
             <a:ext cx="20001240" cy="5943600"/>
           </a:xfrm>
           <a:prstGeom prst="rect">
@@ -1722,8 +2233,8 @@
         </p:nvSpPr>
         <p:spPr>
           <a:xfrm>
-            <a:off x="504000" y="226080"/>
-            <a:ext cx="9071640" cy="946440"/>
+            <a:off x="504000" y="394601"/>
+            <a:ext cx="9071640" cy="609398"/>
           </a:xfrm>
           <a:prstGeom prst="rect">
             <a:avLst/>
@@ -1734,27 +2245,50 @@
           </a:ln>
         </p:spPr>
         <p:txBody>
-          <a:bodyPr lIns="0" rIns="0" tIns="0" bIns="0" anchor="ctr">
+          <a:bodyPr lIns="0" tIns="0" rIns="0" bIns="0" anchor="ctr">
             <a:spAutoFit/>
           </a:bodyPr>
+          <a:lstStyle/>
           <a:p>
             <a:pPr indent="0" algn="ctr">
               <a:buNone/>
             </a:pPr>
             <a:r>
-              <a:rPr b="0" lang="en-US" sz="4400" strike="noStrike" u="none">
-                <a:solidFill>
-                  <a:srgbClr val="272a21"/>
-                </a:solidFill>
-                <a:effectLst/>
-                <a:uFillTx/>
-                <a:latin typeface="Arial"/>
-              </a:rPr>
-              <a:t>Prihajajoče funkcionalnosti</a:t>
-            </a:r>
-            <a:endParaRPr b="0" lang="en-US" sz="4400" strike="noStrike" u="none">
+              <a:rPr lang="en-US" sz="4400" b="0" u="none" strike="noStrike" dirty="0" err="1">
+                <a:solidFill>
+                  <a:schemeClr val="bg1"/>
+                </a:solidFill>
+                <a:effectLst/>
+                <a:uFillTx/>
+                <a:latin typeface="Arial"/>
+              </a:rPr>
+              <a:t>Prihajajoče</a:t>
+            </a:r>
+            <a:r>
+              <a:rPr lang="en-US" sz="4400" b="0" u="none" strike="noStrike" dirty="0">
+                <a:solidFill>
+                  <a:schemeClr val="bg1"/>
+                </a:solidFill>
+                <a:effectLst/>
+                <a:uFillTx/>
+                <a:latin typeface="Arial"/>
+              </a:rPr>
+              <a:t> </a:t>
+            </a:r>
+            <a:r>
+              <a:rPr lang="en-US" sz="4400" b="0" u="none" strike="noStrike" dirty="0" err="1">
+                <a:solidFill>
+                  <a:schemeClr val="bg1"/>
+                </a:solidFill>
+                <a:effectLst/>
+                <a:uFillTx/>
+                <a:latin typeface="Arial"/>
+              </a:rPr>
+              <a:t>funkcionalnosti</a:t>
+            </a:r>
+            <a:endParaRPr lang="en-US" sz="4400" b="0" u="none" strike="noStrike" dirty="0">
               <a:solidFill>
-                <a:srgbClr val="000000"/>
+                <a:schemeClr val="bg1"/>
               </a:solidFill>
               <a:effectLst/>
               <a:uFillTx/>
@@ -1787,9 +2321,10 @@
           </a:ln>
         </p:spPr>
         <p:txBody>
-          <a:bodyPr lIns="0" rIns="0" tIns="0" bIns="0" anchor="t">
+          <a:bodyPr lIns="0" tIns="0" rIns="0" bIns="0" anchor="t">
             <a:normAutofit/>
           </a:bodyPr>
+          <a:lstStyle/>
           <a:p>
             <a:pPr marL="432000" indent="-324000">
               <a:spcBef>
@@ -1803,19 +2338,41 @@
               <a:buChar char=""/>
             </a:pPr>
             <a:r>
-              <a:rPr b="0" lang="en-US" sz="3200" strike="noStrike" u="none">
-                <a:solidFill>
-                  <a:srgbClr val="272a21"/>
-                </a:solidFill>
-                <a:effectLst/>
-                <a:uFillTx/>
-                <a:latin typeface="Arial"/>
-              </a:rPr>
-              <a:t>Personalizirano iskanje</a:t>
-            </a:r>
-            <a:endParaRPr b="0" lang="en-US" sz="3200" strike="noStrike" u="none">
+              <a:rPr lang="en-US" sz="3200" b="0" u="none" strike="noStrike" dirty="0" err="1">
+                <a:solidFill>
+                  <a:schemeClr val="bg1"/>
+                </a:solidFill>
+                <a:effectLst/>
+                <a:uFillTx/>
+                <a:latin typeface="Arial"/>
+              </a:rPr>
+              <a:t>Personalizirano</a:t>
+            </a:r>
+            <a:r>
+              <a:rPr lang="en-US" sz="3200" b="0" u="none" strike="noStrike" dirty="0">
+                <a:solidFill>
+                  <a:schemeClr val="bg1"/>
+                </a:solidFill>
+                <a:effectLst/>
+                <a:uFillTx/>
+                <a:latin typeface="Arial"/>
+              </a:rPr>
+              <a:t> </a:t>
+            </a:r>
+            <a:r>
+              <a:rPr lang="en-US" sz="3200" b="0" u="none" strike="noStrike" dirty="0" err="1">
+                <a:solidFill>
+                  <a:schemeClr val="bg1"/>
+                </a:solidFill>
+                <a:effectLst/>
+                <a:uFillTx/>
+                <a:latin typeface="Arial"/>
+              </a:rPr>
+              <a:t>iskanje</a:t>
+            </a:r>
+            <a:endParaRPr lang="en-US" sz="3200" b="0" u="none" strike="noStrike" dirty="0">
               <a:solidFill>
-                <a:srgbClr val="000000"/>
+                <a:schemeClr val="bg1"/>
               </a:solidFill>
               <a:effectLst/>
               <a:uFillTx/>
@@ -1835,9 +2392,9 @@
               <a:buChar char=""/>
             </a:pPr>
             <a:r>
-              <a:rPr b="0" lang="en-US" sz="3200" strike="noStrike" u="none">
-                <a:solidFill>
-                  <a:srgbClr val="272a21"/>
+              <a:rPr lang="en-US" sz="3200" b="0" u="none" strike="noStrike" dirty="0" err="1">
+                <a:solidFill>
+                  <a:schemeClr val="bg1"/>
                 </a:solidFill>
                 <a:effectLst/>
                 <a:uFillTx/>
@@ -1845,32 +2402,84 @@
               </a:rPr>
               <a:t>Filtri</a:t>
             </a:r>
-            <a:endParaRPr b="0" lang="en-US" sz="3200" strike="noStrike" u="none">
+            <a:endParaRPr lang="en-US" sz="3200" b="0" u="none" strike="noStrike" dirty="0">
               <a:solidFill>
-                <a:srgbClr val="000000"/>
+                <a:schemeClr val="bg1"/>
               </a:solidFill>
               <a:effectLst/>
               <a:uFillTx/>
               <a:latin typeface="Arial"/>
             </a:endParaRPr>
           </a:p>
+          <a:p>
+            <a:pPr marL="432000" indent="-324000">
+              <a:spcBef>
+                <a:spcPts val="1417"/>
+              </a:spcBef>
+              <a:buClr>
+                <a:srgbClr val="000000"/>
+              </a:buClr>
+              <a:buSzPct val="45000"/>
+              <a:buFont typeface="Wingdings" charset="2"/>
+              <a:buChar char=""/>
+            </a:pPr>
+            <a:r>
+              <a:rPr lang="en-US" sz="3200" dirty="0" err="1">
+                <a:solidFill>
+                  <a:schemeClr val="bg1"/>
+                </a:solidFill>
+                <a:latin typeface="Arial"/>
+              </a:rPr>
+              <a:t>Nadgradnja</a:t>
+            </a:r>
+            <a:r>
+              <a:rPr lang="en-US" sz="3200" dirty="0">
+                <a:solidFill>
+                  <a:schemeClr val="bg1"/>
+                </a:solidFill>
+                <a:latin typeface="Arial"/>
+              </a:rPr>
+              <a:t> </a:t>
+            </a:r>
+            <a:r>
+              <a:rPr lang="en-US" sz="3200" dirty="0" err="1">
+                <a:solidFill>
+                  <a:schemeClr val="bg1"/>
+                </a:solidFill>
+                <a:latin typeface="Arial"/>
+              </a:rPr>
+              <a:t>profila</a:t>
+            </a:r>
+            <a:r>
+              <a:rPr lang="en-US" sz="3200" dirty="0">
+                <a:solidFill>
+                  <a:schemeClr val="bg1"/>
+                </a:solidFill>
+                <a:latin typeface="Arial"/>
+              </a:rPr>
+              <a:t>(premium)</a:t>
+            </a:r>
+            <a:endParaRPr lang="en-US" sz="3200" b="0" u="none" strike="noStrike" dirty="0">
+              <a:solidFill>
+                <a:schemeClr val="bg1"/>
+              </a:solidFill>
+              <a:effectLst/>
+              <a:uFillTx/>
+              <a:latin typeface="Arial"/>
+            </a:endParaRPr>
+          </a:p>
         </p:txBody>
       </p:sp>
     </p:spTree>
   </p:cSld>
-  <mc:AlternateContent>
-    <mc:Choice Requires="p14">
-      <p:transition spd="slow" p14:dur="2000"/>
-    </mc:Choice>
-    <mc:Fallback>
-      <p:transition spd="slow"/>
-    </mc:Fallback>
-  </mc:AlternateContent>
+  <p:clrMapOvr>
+    <a:masterClrMapping/>
+  </p:clrMapOvr>
 </p:sld>
 </file>
 
 <file path=ppt/slides/slide5.xml><?xml version="1.0" encoding="utf-8"?>
-<p:sld xmlns:a="http://schemas.openxmlformats.org/drawingml/2006/main" xmlns:p="http://schemas.openxmlformats.org/presentationml/2006/main" xmlns:r="http://schemas.openxmlformats.org/officeDocument/2006/relationships" xmlns:p14="http://schemas.microsoft.com/office/powerpoint/2010/main" xmlns:p15="http://schemas.microsoft.com/office/powerpoint/2012/main" xmlns:mc="http://schemas.openxmlformats.org/markup-compatibility/2006">
+<p:sld xmlns:a="http://schemas.openxmlformats.org/drawingml/2006/main" xmlns:r="http://schemas.openxmlformats.org/officeDocument/2006/relationships" xmlns:p="http://schemas.openxmlformats.org/presentationml/2006/main">
   <p:cSld>
     <p:spTree>
       <p:nvGrpSpPr>
@@ -1888,12 +2497,12 @@
       </p:grpSpPr>
       <p:pic>
         <p:nvPicPr>
-          <p:cNvPr id="26" name="" descr=""/>
+          <p:cNvPr id="26" name="Picture 25"/>
           <p:cNvPicPr/>
           <p:nvPr/>
         </p:nvPicPr>
         <p:blipFill>
-          <a:blip r:embed="rId1"/>
+          <a:blip r:embed="rId2"/>
           <a:stretch/>
         </p:blipFill>
         <p:spPr>
@@ -1934,17 +2543,18 @@
           </a:ln>
         </p:spPr>
         <p:txBody>
-          <a:bodyPr lIns="0" rIns="0" tIns="0" bIns="0" anchor="ctr">
+          <a:bodyPr lIns="0" tIns="0" rIns="0" bIns="0" anchor="ctr">
             <a:spAutoFit/>
           </a:bodyPr>
+          <a:lstStyle/>
           <a:p>
             <a:pPr indent="0" algn="ctr">
               <a:buNone/>
             </a:pPr>
             <a:r>
-              <a:rPr b="0" lang="en-US" sz="4400" strike="noStrike" u="none">
-                <a:solidFill>
-                  <a:srgbClr val="ffffff"/>
+              <a:rPr lang="en-US" sz="4400" b="0" u="none" strike="noStrike">
+                <a:solidFill>
+                  <a:srgbClr val="FFFFFF"/>
                 </a:solidFill>
                 <a:effectLst/>
                 <a:uFillTx/>
@@ -1952,7 +2562,7 @@
               </a:rPr>
               <a:t>Se vidimo Gor</a:t>
             </a:r>
-            <a:endParaRPr b="0" lang="en-US" sz="4400" strike="noStrike" u="none">
+            <a:endParaRPr lang="en-US" sz="4400" b="0" u="none" strike="noStrike">
               <a:solidFill>
                 <a:srgbClr val="000000"/>
               </a:solidFill>
@@ -1965,68 +2575,63 @@
       </p:sp>
     </p:spTree>
   </p:cSld>
-  <mc:AlternateContent>
-    <mc:Choice Requires="p14">
-      <p:transition spd="slow" p14:dur="2000"/>
-    </mc:Choice>
-    <mc:Fallback>
-      <p:transition spd="slow"/>
-    </mc:Fallback>
-  </mc:AlternateContent>
+  <p:clrMapOvr>
+    <a:masterClrMapping/>
+  </p:clrMapOvr>
 </p:sld>
 </file>
 
 <file path=ppt/theme/theme1.xml><?xml version="1.0" encoding="utf-8"?>
-<a:theme xmlns:a="http://schemas.openxmlformats.org/drawingml/2006/main" xmlns:r="http://schemas.openxmlformats.org/officeDocument/2006/relationships" name="Office">
+<a:theme xmlns:a="http://schemas.openxmlformats.org/drawingml/2006/main" name="Office">
   <a:themeElements>
     <a:clrScheme name="LibreOffice">
       <a:dk1>
         <a:srgbClr val="000000"/>
       </a:dk1>
       <a:lt1>
-        <a:srgbClr val="ffffff"/>
+        <a:srgbClr val="FFFFFF"/>
       </a:lt1>
       <a:dk2>
         <a:srgbClr val="000000"/>
       </a:dk2>
       <a:lt2>
-        <a:srgbClr val="ffffff"/>
+        <a:srgbClr val="FFFFFF"/>
       </a:lt2>
       <a:accent1>
-        <a:srgbClr val="18a303"/>
+        <a:srgbClr val="18A303"/>
       </a:accent1>
       <a:accent2>
-        <a:srgbClr val="0369a3"/>
+        <a:srgbClr val="0369A3"/>
       </a:accent2>
       <a:accent3>
-        <a:srgbClr val="a33e03"/>
+        <a:srgbClr val="A33E03"/>
       </a:accent3>
       <a:accent4>
-        <a:srgbClr val="8e03a3"/>
+        <a:srgbClr val="8E03A3"/>
       </a:accent4>
       <a:accent5>
-        <a:srgbClr val="c99c00"/>
+        <a:srgbClr val="C99C00"/>
       </a:accent5>
       <a:accent6>
-        <a:srgbClr val="c9211e"/>
+        <a:srgbClr val="C9211E"/>
       </a:accent6>
       <a:hlink>
-        <a:srgbClr val="0000ee"/>
+        <a:srgbClr val="0000EE"/>
       </a:hlink>
       <a:folHlink>
-        <a:srgbClr val="551a8b"/>
+        <a:srgbClr val="551A8B"/>
       </a:folHlink>
     </a:clrScheme>
     <a:fontScheme name="Office">
       <a:majorFont>
-        <a:latin typeface="Arial" pitchFamily="0" charset="1"/>
-        <a:ea typeface="DejaVu Sans" pitchFamily="0" charset="1"/>
-        <a:cs typeface="DejaVu Sans" pitchFamily="0" charset="1"/>
+        <a:latin typeface="Arial"/>
+        <a:ea typeface="DejaVu Sans"/>
+        <a:cs typeface="DejaVu Sans"/>
       </a:majorFont>
       <a:minorFont>
-        <a:latin typeface="Arial" pitchFamily="0" charset="1"/>
-        <a:ea typeface="DejaVu Sans" pitchFamily="0" charset="1"/>
-        <a:cs typeface="DejaVu Sans" pitchFamily="0" charset="1"/>
+        <a:latin typeface="Arial"/>
+        <a:ea typeface="DejaVu Sans"/>
+        <a:cs typeface="DejaVu Sans"/>
       </a:minorFont>
     </a:fontScheme>
     <a:fmtScheme>
@@ -2079,5 +2684,7 @@
       </a:bgFillStyleLst>
     </a:fmtScheme>
   </a:themeElements>
+  <a:objectDefaults/>
+  <a:extraClrSchemeLst/>
 </a:theme>
 </file>